--- a/Multidimnsnl Scaling:Clusterng/YC-Final-4-17.pptx
+++ b/Multidimnsnl Scaling:Clusterng/YC-Final-4-17.pptx
@@ -224,7 +224,7 @@
           <a:p>
             <a:fld id="{B059437F-BA9F-3141-88E8-CDD6BE4E6788}" type="datetimeFigureOut">
               <a:rPr lang="en-US" smtClean="0"/>
-              <a:t>4/17/20</a:t>
+              <a:t>5/8/20</a:t>
             </a:fld>
             <a:endParaRPr lang="en-US"/>
           </a:p>
@@ -1939,7 +1939,7 @@
           <a:p>
             <a:fld id="{1AA5BBF3-2105-DC4C-A819-13776D7FF265}" type="datetimeFigureOut">
               <a:rPr lang="en-US" smtClean="0"/>
-              <a:t>4/17/20</a:t>
+              <a:t>5/8/20</a:t>
             </a:fld>
             <a:endParaRPr lang="en-US"/>
           </a:p>
@@ -2137,7 +2137,7 @@
           <a:p>
             <a:fld id="{1AA5BBF3-2105-DC4C-A819-13776D7FF265}" type="datetimeFigureOut">
               <a:rPr lang="en-US" smtClean="0"/>
-              <a:t>4/17/20</a:t>
+              <a:t>5/8/20</a:t>
             </a:fld>
             <a:endParaRPr lang="en-US"/>
           </a:p>
@@ -2312,7 +2312,7 @@
           <a:p>
             <a:fld id="{1AA5BBF3-2105-DC4C-A819-13776D7FF265}" type="datetimeFigureOut">
               <a:rPr lang="en-US" smtClean="0"/>
-              <a:t>4/17/20</a:t>
+              <a:t>5/8/20</a:t>
             </a:fld>
             <a:endParaRPr lang="en-US"/>
           </a:p>
@@ -2475,7 +2475,7 @@
           <a:p>
             <a:fld id="{1AA5BBF3-2105-DC4C-A819-13776D7FF265}" type="datetimeFigureOut">
               <a:rPr lang="en-US" smtClean="0"/>
-              <a:t>4/17/20</a:t>
+              <a:t>5/8/20</a:t>
             </a:fld>
             <a:endParaRPr lang="en-US"/>
           </a:p>
@@ -2723,7 +2723,7 @@
           <a:p>
             <a:fld id="{1AA5BBF3-2105-DC4C-A819-13776D7FF265}" type="datetimeFigureOut">
               <a:rPr lang="en-US" smtClean="0"/>
-              <a:t>4/17/20</a:t>
+              <a:t>5/8/20</a:t>
             </a:fld>
             <a:endParaRPr lang="en-US"/>
           </a:p>
@@ -3040,7 +3040,7 @@
           <a:p>
             <a:fld id="{1AA5BBF3-2105-DC4C-A819-13776D7FF265}" type="datetimeFigureOut">
               <a:rPr lang="en-US" smtClean="0"/>
-              <a:t>4/17/20</a:t>
+              <a:t>5/8/20</a:t>
             </a:fld>
             <a:endParaRPr lang="en-US"/>
           </a:p>
@@ -3506,7 +3506,7 @@
           <a:p>
             <a:fld id="{1AA5BBF3-2105-DC4C-A819-13776D7FF265}" type="datetimeFigureOut">
               <a:rPr lang="en-US" smtClean="0"/>
-              <a:t>4/17/20</a:t>
+              <a:t>5/8/20</a:t>
             </a:fld>
             <a:endParaRPr lang="en-US"/>
           </a:p>
@@ -3653,7 +3653,7 @@
           <a:p>
             <a:fld id="{1AA5BBF3-2105-DC4C-A819-13776D7FF265}" type="datetimeFigureOut">
               <a:rPr lang="en-US" smtClean="0"/>
-              <a:t>4/17/20</a:t>
+              <a:t>5/8/20</a:t>
             </a:fld>
             <a:endParaRPr lang="en-US"/>
           </a:p>
@@ -3743,7 +3743,7 @@
           <a:p>
             <a:fld id="{1AA5BBF3-2105-DC4C-A819-13776D7FF265}" type="datetimeFigureOut">
               <a:rPr lang="en-US" smtClean="0"/>
-              <a:t>4/17/20</a:t>
+              <a:t>5/8/20</a:t>
             </a:fld>
             <a:endParaRPr lang="en-US"/>
           </a:p>
@@ -4017,7 +4017,7 @@
           <a:p>
             <a:fld id="{1AA5BBF3-2105-DC4C-A819-13776D7FF265}" type="datetimeFigureOut">
               <a:rPr lang="en-US" smtClean="0"/>
-              <a:t>4/17/20</a:t>
+              <a:t>5/8/20</a:t>
             </a:fld>
             <a:endParaRPr lang="en-US"/>
           </a:p>
@@ -4322,7 +4322,7 @@
           <a:p>
             <a:fld id="{1AA5BBF3-2105-DC4C-A819-13776D7FF265}" type="datetimeFigureOut">
               <a:rPr lang="en-US" smtClean="0"/>
-              <a:t>4/17/20</a:t>
+              <a:t>5/8/20</a:t>
             </a:fld>
             <a:endParaRPr lang="en-US"/>
           </a:p>
@@ -4620,7 +4620,7 @@
           <a:p>
             <a:fld id="{1AA5BBF3-2105-DC4C-A819-13776D7FF265}" type="datetimeFigureOut">
               <a:rPr lang="en-US" smtClean="0"/>
-              <a:t>4/17/20</a:t>
+              <a:t>5/8/20</a:t>
             </a:fld>
             <a:endParaRPr lang="en-US"/>
           </a:p>
@@ -5937,8 +5937,8 @@
           </a:p>
         </p:txBody>
       </p:sp>
-      <mc:AlternateContent xmlns:mc="http://schemas.openxmlformats.org/markup-compatibility/2006">
-        <mc:Choice xmlns:a14="http://schemas.microsoft.com/office/drawing/2010/main" Requires="a14">
+      <mc:AlternateContent xmlns:mc="http://schemas.openxmlformats.org/markup-compatibility/2006" xmlns:a14="http://schemas.microsoft.com/office/drawing/2010/main">
+        <mc:Choice Requires="a14">
           <p:sp>
             <p:nvSpPr>
               <p:cNvPr id="6" name="Rectangle 5">
@@ -6143,13 +6143,11 @@
                 </a:endParaRPr>
               </a:p>
               <a:p>
-                <a:pPr/>
                 <a:endParaRPr lang="en-US" altLang="zh-CN" dirty="0">
                   <a:latin typeface="Cambria Math" panose="02040503050406030204" pitchFamily="18" charset="0"/>
                 </a:endParaRPr>
               </a:p>
               <a:p>
-                <a:pPr/>
                 <a:endParaRPr lang="en-US" altLang="zh-CN" i="1" dirty="0">
                   <a:latin typeface="Cambria Math" panose="02040503050406030204" pitchFamily="18" charset="0"/>
                 </a:endParaRPr>
@@ -6402,6 +6400,18 @@
                         </m:sub>
                       </m:sSub>
                       <m:r>
+                        <a:rPr lang="en-US" altLang="zh-CN" b="0" i="1" smtClean="0">
+                          <a:latin typeface="Cambria Math" panose="02040503050406030204" pitchFamily="18" charset="0"/>
+                        </a:rPr>
+                        <m:t>+</m:t>
+                      </m:r>
+                      <m:r>
+                        <a:rPr lang="en-US" altLang="zh-CN" b="0" i="1" smtClean="0">
+                          <a:latin typeface="Cambria Math" panose="02040503050406030204" pitchFamily="18" charset="0"/>
+                        </a:rPr>
+                        <m:t>𝑠𝑝</m:t>
+                      </m:r>
+                      <m:r>
                         <a:rPr lang="en-US" i="1">
                           <a:latin typeface="Cambria Math" panose="02040503050406030204" pitchFamily="18" charset="0"/>
                         </a:rPr>
@@ -6497,7 +6507,7 @@
             </p:txBody>
           </p:sp>
         </mc:Choice>
-        <mc:Fallback>
+        <mc:Fallback xmlns="">
           <p:sp>
             <p:nvSpPr>
               <p:cNvPr id="6" name="Rectangle 5">
@@ -7402,8 +7412,8 @@
           </a:p>
         </p:txBody>
       </p:sp>
-      <mc:AlternateContent xmlns:mc="http://schemas.openxmlformats.org/markup-compatibility/2006">
-        <mc:Choice xmlns:a14="http://schemas.microsoft.com/office/drawing/2010/main" Requires="a14">
+      <mc:AlternateContent xmlns:mc="http://schemas.openxmlformats.org/markup-compatibility/2006" xmlns:a14="http://schemas.microsoft.com/office/drawing/2010/main">
+        <mc:Choice Requires="a14">
           <p:sp>
             <p:nvSpPr>
               <p:cNvPr id="6" name="Rectangle 5">
@@ -7571,7 +7581,6 @@
                 </a:r>
               </a:p>
               <a:p>
-                <a:pPr/>
                 <a:endParaRPr lang="en-US" altLang="zh-CN" dirty="0">
                   <a:latin typeface="Cambria Math" panose="02040503050406030204" pitchFamily="18" charset="0"/>
                 </a:endParaRPr>
@@ -8229,7 +8238,7 @@
             </p:txBody>
           </p:sp>
         </mc:Choice>
-        <mc:Fallback>
+        <mc:Fallback xmlns="">
           <p:sp>
             <p:nvSpPr>
               <p:cNvPr id="6" name="Rectangle 5">
@@ -9309,8 +9318,8 @@
           </a:p>
         </p:txBody>
       </p:sp>
-      <mc:AlternateContent xmlns:mc="http://schemas.openxmlformats.org/markup-compatibility/2006">
-        <mc:Choice xmlns:a14="http://schemas.microsoft.com/office/drawing/2010/main" Requires="a14">
+      <mc:AlternateContent xmlns:mc="http://schemas.openxmlformats.org/markup-compatibility/2006" xmlns:a14="http://schemas.microsoft.com/office/drawing/2010/main">
+        <mc:Choice Requires="a14">
           <p:sp>
             <p:nvSpPr>
               <p:cNvPr id="6" name="Rectangle 5">
@@ -9478,7 +9487,6 @@
                 </a:r>
               </a:p>
               <a:p>
-                <a:pPr/>
                 <a:endParaRPr lang="en-US" altLang="zh-CN" dirty="0">
                   <a:latin typeface="Cambria Math" panose="02040503050406030204" pitchFamily="18" charset="0"/>
                 </a:endParaRPr>
@@ -9855,7 +9863,7 @@
             </p:txBody>
           </p:sp>
         </mc:Choice>
-        <mc:Fallback>
+        <mc:Fallback xmlns="">
           <p:sp>
             <p:nvSpPr>
               <p:cNvPr id="6" name="Rectangle 5">
@@ -11130,12 +11138,9 @@
             </a:r>
           </a:p>
           <a:p>
-            <a:r>
-              <a:rPr lang="en-US" altLang="zh-CN" dirty="0"/>
-              <a:t> </a:t>
-            </a:r>
-          </a:p>
-          <a:p>
+            <a:pPr marL="0" indent="0">
+              <a:buNone/>
+            </a:pPr>
             <a:endParaRPr lang="en-US" dirty="0"/>
           </a:p>
           <a:p>
@@ -11877,7 +11882,7 @@
         <p:spPr>
           <a:xfrm>
             <a:off x="0" y="1524000"/>
-            <a:ext cx="12192000" cy="4801314"/>
+            <a:ext cx="12192000" cy="4524315"/>
           </a:xfrm>
           <a:prstGeom prst="rect">
             <a:avLst/>
@@ -11933,7 +11938,7 @@
             </a:r>
             <a:r>
               <a:rPr lang="en-US" u="sng" dirty="0"/>
-              <a:t>delinquency behavior delinquency </a:t>
+              <a:t>delinquency behavior </a:t>
             </a:r>
             <a:r>
               <a:rPr lang="en-US" altLang="zh-CN" dirty="0"/>
@@ -11977,11 +11982,7 @@
             </a:r>
             <a:r>
               <a:rPr lang="en-US" u="sng" dirty="0"/>
-              <a:t>delinquency behavior delinquency</a:t>
-            </a:r>
-            <a:r>
-              <a:rPr lang="zh-CN" altLang="en-US" dirty="0"/>
-              <a:t> </a:t>
+              <a:t>delinquency behavior </a:t>
             </a:r>
             <a:r>
               <a:rPr lang="en-US" altLang="zh-CN" dirty="0"/>
@@ -12025,11 +12026,7 @@
             </a:r>
             <a:r>
               <a:rPr lang="en-US" u="sng" dirty="0"/>
-              <a:t>delinquency behavior delinquency</a:t>
-            </a:r>
-            <a:r>
-              <a:rPr lang="zh-CN" altLang="en-US" u="sng" dirty="0"/>
-              <a:t> </a:t>
+              <a:t>delinquency behavior </a:t>
             </a:r>
             <a:r>
               <a:rPr lang="en-US" altLang="zh-CN" dirty="0"/>
@@ -12255,7 +12252,7 @@
               <a:rPr lang="en-US" altLang="zh-CN" dirty="0">
                 <a:sym typeface="Wingdings" pitchFamily="2" charset="2"/>
               </a:rPr>
-              <a:t>the</a:t>
+              <a:t>the observed and</a:t>
             </a:r>
             <a:r>
               <a:rPr lang="zh-CN" altLang="en-US" dirty="0">
@@ -13100,8 +13097,8 @@
           </a:p>
         </p:txBody>
       </p:sp>
-      <mc:AlternateContent xmlns:mc="http://schemas.openxmlformats.org/markup-compatibility/2006">
-        <mc:Choice xmlns:a14="http://schemas.microsoft.com/office/drawing/2010/main" Requires="a14">
+      <mc:AlternateContent xmlns:mc="http://schemas.openxmlformats.org/markup-compatibility/2006" xmlns:a14="http://schemas.microsoft.com/office/drawing/2010/main">
+        <mc:Choice Requires="a14">
           <p:sp>
             <p:nvSpPr>
               <p:cNvPr id="6" name="Rectangle 5">
@@ -13207,6 +13204,7 @@
                 <a:endParaRPr lang="en-US" altLang="zh-CN" b="1" dirty="0"/>
               </a:p>
               <a:p>
+                <a:pPr/>
                 <a14:m>
                   <m:oMathPara xmlns:m="http://schemas.openxmlformats.org/officeDocument/2006/math">
                     <m:oMathParaPr>
@@ -13214,11 +13212,15 @@
                     </m:oMathParaPr>
                     <m:oMath xmlns:m="http://schemas.openxmlformats.org/officeDocument/2006/math">
                       <m:r>
-                        <a:rPr lang="en-US" i="1"/>
+                        <a:rPr lang="en-US" i="1">
+                          <a:latin typeface="Cambria Math" panose="02040503050406030204" pitchFamily="18" charset="0"/>
+                        </a:rPr>
                         <m:t>𝐴</m:t>
                       </m:r>
                       <m:r>
-                        <a:rPr lang="en-US" i="1"/>
+                        <a:rPr lang="en-US" i="1">
+                          <a:latin typeface="Cambria Math" panose="02040503050406030204" pitchFamily="18" charset="0"/>
+                        </a:rPr>
                         <m:t>=</m:t>
                       </m:r>
                       <m:d>
@@ -13226,7 +13228,9 @@
                           <m:begChr m:val="["/>
                           <m:endChr m:val="]"/>
                           <m:ctrlPr>
-                            <a:rPr lang="en-US" i="1"/>
+                            <a:rPr lang="en-US" i="1">
+                              <a:latin typeface="Cambria Math" panose="02040503050406030204" pitchFamily="18" charset="0"/>
+                            </a:rPr>
                           </m:ctrlPr>
                         </m:dPr>
                         <m:e>
@@ -13241,7 +13245,9 @@
                                 </m:mc>
                               </m:mcs>
                               <m:ctrlPr>
-                                <a:rPr lang="en-US" i="1"/>
+                                <a:rPr lang="en-US" i="1">
+                                  <a:latin typeface="Cambria Math" panose="02040503050406030204" pitchFamily="18" charset="0"/>
+                                </a:rPr>
                               </m:ctrlPr>
                             </m:mPr>
                             <m:mr>
@@ -13249,18 +13255,24 @@
                                 <m:sSub>
                                   <m:sSubPr>
                                     <m:ctrlPr>
-                                      <a:rPr lang="en-US" i="1"/>
+                                      <a:rPr lang="en-US" i="1">
+                                        <a:latin typeface="Cambria Math" panose="02040503050406030204" pitchFamily="18" charset="0"/>
+                                      </a:rPr>
                                     </m:ctrlPr>
                                   </m:sSubPr>
                                   <m:e>
                                     <m:r>
-                                      <a:rPr lang="en-US" i="1"/>
+                                      <a:rPr lang="en-US" i="1">
+                                        <a:latin typeface="Cambria Math" panose="02040503050406030204" pitchFamily="18" charset="0"/>
+                                      </a:rPr>
                                       <m:t>𝐴</m:t>
                                     </m:r>
                                   </m:e>
                                   <m:sub>
                                     <m:r>
-                                      <a:rPr lang="en-US" i="1"/>
+                                      <a:rPr lang="en-US" i="1">
+                                        <a:latin typeface="Cambria Math" panose="02040503050406030204" pitchFamily="18" charset="0"/>
+                                      </a:rPr>
                                       <m:t>11</m:t>
                                     </m:r>
                                   </m:sub>
@@ -13268,7 +13280,9 @@
                               </m:e>
                               <m:e>
                                 <m:r>
-                                  <a:rPr lang="en-US" i="1"/>
+                                  <a:rPr lang="en-US" i="1">
+                                    <a:latin typeface="Cambria Math" panose="02040503050406030204" pitchFamily="18" charset="0"/>
+                                  </a:rPr>
                                   <m:t>…</m:t>
                                 </m:r>
                               </m:e>
@@ -13276,22 +13290,30 @@
                                 <m:sSub>
                                   <m:sSubPr>
                                     <m:ctrlPr>
-                                      <a:rPr lang="en-US" i="1"/>
+                                      <a:rPr lang="en-US" i="1">
+                                        <a:latin typeface="Cambria Math" panose="02040503050406030204" pitchFamily="18" charset="0"/>
+                                      </a:rPr>
                                     </m:ctrlPr>
                                   </m:sSubPr>
                                   <m:e>
                                     <m:r>
-                                      <a:rPr lang="en-US" i="1"/>
+                                      <a:rPr lang="en-US" i="1">
+                                        <a:latin typeface="Cambria Math" panose="02040503050406030204" pitchFamily="18" charset="0"/>
+                                      </a:rPr>
                                       <m:t>𝐴</m:t>
                                     </m:r>
                                   </m:e>
                                   <m:sub>
                                     <m:r>
-                                      <a:rPr lang="en-US" i="1"/>
+                                      <a:rPr lang="en-US" i="1">
+                                        <a:latin typeface="Cambria Math" panose="02040503050406030204" pitchFamily="18" charset="0"/>
+                                      </a:rPr>
                                       <m:t>1</m:t>
                                     </m:r>
                                     <m:r>
-                                      <a:rPr lang="en-US" i="1"/>
+                                      <a:rPr lang="en-US" i="1">
+                                        <a:latin typeface="Cambria Math" panose="02040503050406030204" pitchFamily="18" charset="0"/>
+                                      </a:rPr>
                                       <m:t>𝑛</m:t>
                                     </m:r>
                                   </m:sub>
@@ -13301,19 +13323,25 @@
                             <m:mr>
                               <m:e>
                                 <m:r>
-                                  <a:rPr lang="en-US" i="1"/>
+                                  <a:rPr lang="en-US" i="1">
+                                    <a:latin typeface="Cambria Math" panose="02040503050406030204" pitchFamily="18" charset="0"/>
+                                  </a:rPr>
                                   <m:t>…</m:t>
                                 </m:r>
                               </m:e>
                               <m:e>
                                 <m:r>
-                                  <a:rPr lang="en-US" i="1"/>
+                                  <a:rPr lang="en-US" i="1">
+                                    <a:latin typeface="Cambria Math" panose="02040503050406030204" pitchFamily="18" charset="0"/>
+                                  </a:rPr>
                                   <m:t>…</m:t>
                                 </m:r>
                               </m:e>
                               <m:e>
                                 <m:r>
-                                  <a:rPr lang="en-US" i="1"/>
+                                  <a:rPr lang="en-US" i="1">
+                                    <a:latin typeface="Cambria Math" panose="02040503050406030204" pitchFamily="18" charset="0"/>
+                                  </a:rPr>
                                   <m:t>…</m:t>
                                 </m:r>
                               </m:e>
@@ -13323,22 +13351,30 @@
                                 <m:sSub>
                                   <m:sSubPr>
                                     <m:ctrlPr>
-                                      <a:rPr lang="en-US" i="1"/>
+                                      <a:rPr lang="en-US" i="1">
+                                        <a:latin typeface="Cambria Math" panose="02040503050406030204" pitchFamily="18" charset="0"/>
+                                      </a:rPr>
                                     </m:ctrlPr>
                                   </m:sSubPr>
                                   <m:e>
                                     <m:r>
-                                      <a:rPr lang="en-US" i="1"/>
+                                      <a:rPr lang="en-US" i="1">
+                                        <a:latin typeface="Cambria Math" panose="02040503050406030204" pitchFamily="18" charset="0"/>
+                                      </a:rPr>
                                       <m:t>𝐴</m:t>
                                     </m:r>
                                   </m:e>
                                   <m:sub>
                                     <m:r>
-                                      <a:rPr lang="en-US" i="1"/>
+                                      <a:rPr lang="en-US" i="1">
+                                        <a:latin typeface="Cambria Math" panose="02040503050406030204" pitchFamily="18" charset="0"/>
+                                      </a:rPr>
                                       <m:t>𝑁</m:t>
                                     </m:r>
                                     <m:r>
-                                      <a:rPr lang="en-US" i="1"/>
+                                      <a:rPr lang="en-US" i="1">
+                                        <a:latin typeface="Cambria Math" panose="02040503050406030204" pitchFamily="18" charset="0"/>
+                                      </a:rPr>
                                       <m:t>1</m:t>
                                     </m:r>
                                   </m:sub>
@@ -13346,7 +13382,9 @@
                               </m:e>
                               <m:e>
                                 <m:r>
-                                  <a:rPr lang="en-US" i="1"/>
+                                  <a:rPr lang="en-US" i="1">
+                                    <a:latin typeface="Cambria Math" panose="02040503050406030204" pitchFamily="18" charset="0"/>
+                                  </a:rPr>
                                   <m:t>…</m:t>
                                 </m:r>
                               </m:e>
@@ -13354,18 +13392,24 @@
                                 <m:sSub>
                                   <m:sSubPr>
                                     <m:ctrlPr>
-                                      <a:rPr lang="en-US" i="1"/>
+                                      <a:rPr lang="en-US" i="1">
+                                        <a:latin typeface="Cambria Math" panose="02040503050406030204" pitchFamily="18" charset="0"/>
+                                      </a:rPr>
                                     </m:ctrlPr>
                                   </m:sSubPr>
                                   <m:e>
                                     <m:r>
-                                      <a:rPr lang="en-US" i="1"/>
+                                      <a:rPr lang="en-US" i="1">
+                                        <a:latin typeface="Cambria Math" panose="02040503050406030204" pitchFamily="18" charset="0"/>
+                                      </a:rPr>
                                       <m:t>𝐴</m:t>
                                     </m:r>
                                   </m:e>
                                   <m:sub>
                                     <m:r>
-                                      <a:rPr lang="en-US" i="1"/>
+                                      <a:rPr lang="en-US" i="1">
+                                        <a:latin typeface="Cambria Math" panose="02040503050406030204" pitchFamily="18" charset="0"/>
+                                      </a:rPr>
                                       <m:t>𝑁𝑁</m:t>
                                     </m:r>
                                   </m:sub>
@@ -13393,18 +13437,24 @@
                     <m:sSub>
                       <m:sSubPr>
                         <m:ctrlPr>
-                          <a:rPr lang="en-US" i="1"/>
+                          <a:rPr lang="en-US" i="1">
+                            <a:latin typeface="Cambria Math" panose="02040503050406030204" pitchFamily="18" charset="0"/>
+                          </a:rPr>
                         </m:ctrlPr>
                       </m:sSubPr>
                       <m:e>
                         <m:r>
-                          <a:rPr lang="en-US" i="1"/>
+                          <a:rPr lang="en-US" i="1">
+                            <a:latin typeface="Cambria Math" panose="02040503050406030204" pitchFamily="18" charset="0"/>
+                          </a:rPr>
                           <m:t>𝐴</m:t>
                         </m:r>
                       </m:e>
                       <m:sub>
                         <m:r>
-                          <a:rPr lang="en-US" i="1"/>
+                          <a:rPr lang="en-US" i="1">
+                            <a:latin typeface="Cambria Math" panose="02040503050406030204" pitchFamily="18" charset="0"/>
+                          </a:rPr>
                           <m:t>𝑖𝑗</m:t>
                         </m:r>
                       </m:sub>
@@ -13418,11 +13468,15 @@
                 <a14:m>
                   <m:oMath xmlns:m="http://schemas.openxmlformats.org/officeDocument/2006/math">
                     <m:r>
-                      <a:rPr lang="en-US" i="1"/>
+                      <a:rPr lang="en-US" i="1">
+                        <a:latin typeface="Cambria Math" panose="02040503050406030204" pitchFamily="18" charset="0"/>
+                      </a:rPr>
                       <m:t>𝑖</m:t>
                     </m:r>
                     <m:r>
-                      <a:rPr lang="en-US" i="1"/>
+                      <a:rPr lang="en-US" i="1">
+                        <a:latin typeface="Cambria Math" panose="02040503050406030204" pitchFamily="18" charset="0"/>
+                      </a:rPr>
                       <m:t> </m:t>
                     </m:r>
                   </m:oMath>
@@ -13434,7 +13488,9 @@
                 <a14:m>
                   <m:oMath xmlns:m="http://schemas.openxmlformats.org/officeDocument/2006/math">
                     <m:r>
-                      <a:rPr lang="en-US" i="1"/>
+                      <a:rPr lang="en-US" i="1">
+                        <a:latin typeface="Cambria Math" panose="02040503050406030204" pitchFamily="18" charset="0"/>
+                      </a:rPr>
                       <m:t>𝑗</m:t>
                     </m:r>
                   </m:oMath>
@@ -13552,7 +13608,7 @@
             </p:txBody>
           </p:sp>
         </mc:Choice>
-        <mc:Fallback>
+        <mc:Fallback xmlns="">
           <p:sp>
             <p:nvSpPr>
               <p:cNvPr id="6" name="Rectangle 5">
@@ -13657,6 +13713,60 @@
           </a:prstGeom>
         </p:spPr>
       </p:pic>
+      <p:sp>
+        <p:nvSpPr>
+          <p:cNvPr id="5" name="Rectangle 4">
+            <a:extLst>
+              <a:ext uri="{FF2B5EF4-FFF2-40B4-BE49-F238E27FC236}">
+                <a16:creationId xmlns:a16="http://schemas.microsoft.com/office/drawing/2014/main" id="{DB0A930A-FACB-4845-89B9-0BEF1617326D}"/>
+              </a:ext>
+            </a:extLst>
+          </p:cNvPr>
+          <p:cNvSpPr/>
+          <p:nvPr/>
+        </p:nvSpPr>
+        <p:spPr>
+          <a:xfrm>
+            <a:off x="7513983" y="6294783"/>
+            <a:ext cx="1258956" cy="261979"/>
+          </a:xfrm>
+          <a:prstGeom prst="rect">
+            <a:avLst/>
+          </a:prstGeom>
+          <a:solidFill>
+            <a:schemeClr val="bg1"/>
+          </a:solidFill>
+          <a:ln>
+            <a:solidFill>
+              <a:schemeClr val="bg1"/>
+            </a:solidFill>
+          </a:ln>
+        </p:spPr>
+        <p:style>
+          <a:lnRef idx="2">
+            <a:schemeClr val="accent1">
+              <a:shade val="50000"/>
+            </a:schemeClr>
+          </a:lnRef>
+          <a:fillRef idx="1">
+            <a:schemeClr val="accent1"/>
+          </a:fillRef>
+          <a:effectRef idx="0">
+            <a:schemeClr val="accent1"/>
+          </a:effectRef>
+          <a:fontRef idx="minor">
+            <a:schemeClr val="lt1"/>
+          </a:fontRef>
+        </p:style>
+        <p:txBody>
+          <a:bodyPr rtlCol="0" anchor="ctr"/>
+          <a:lstStyle/>
+          <a:p>
+            <a:pPr algn="ctr"/>
+            <a:endParaRPr lang="en-US" dirty="0"/>
+          </a:p>
+        </p:txBody>
+      </p:sp>
     </p:spTree>
     <p:extLst>
       <p:ext uri="{BB962C8B-B14F-4D97-AF65-F5344CB8AC3E}">
@@ -13756,8 +13866,8 @@
           </a:p>
         </p:txBody>
       </p:sp>
-      <mc:AlternateContent xmlns:mc="http://schemas.openxmlformats.org/markup-compatibility/2006">
-        <mc:Choice xmlns:a14="http://schemas.microsoft.com/office/drawing/2010/main" Requires="a14">
+      <mc:AlternateContent xmlns:mc="http://schemas.openxmlformats.org/markup-compatibility/2006" xmlns:a14="http://schemas.microsoft.com/office/drawing/2010/main">
+        <mc:Choice Requires="a14">
           <p:sp>
             <p:nvSpPr>
               <p:cNvPr id="6" name="Rectangle 5">
@@ -14026,6 +14136,1565 @@
                 <a:endParaRPr lang="en-US" altLang="zh-CN" dirty="0"/>
               </a:p>
               <a:p>
+                <a:pPr/>
+                <a14:m>
+                  <m:oMathPara xmlns:m="http://schemas.openxmlformats.org/officeDocument/2006/math">
+                    <m:oMathParaPr>
+                      <m:jc m:val="centerGroup"/>
+                    </m:oMathParaPr>
+                    <m:oMath xmlns:m="http://schemas.openxmlformats.org/officeDocument/2006/math">
+                      <m:r>
+                        <a:rPr lang="en-US" altLang="zh-CN" b="0" i="1" smtClean="0">
+                          <a:latin typeface="Cambria Math" panose="02040503050406030204" pitchFamily="18" charset="0"/>
+                        </a:rPr>
+                        <m:t>𝑃</m:t>
+                      </m:r>
+                      <m:d>
+                        <m:dPr>
+                          <m:ctrlPr>
+                            <a:rPr lang="en-US" altLang="zh-CN" b="0" i="1" smtClean="0">
+                              <a:latin typeface="Cambria Math" panose="02040503050406030204" pitchFamily="18" charset="0"/>
+                            </a:rPr>
+                          </m:ctrlPr>
+                        </m:dPr>
+                        <m:e>
+                          <m:r>
+                            <a:rPr lang="en-US" altLang="zh-CN" b="1" i="1" smtClean="0">
+                              <a:latin typeface="Cambria Math" panose="02040503050406030204" pitchFamily="18" charset="0"/>
+                            </a:rPr>
+                            <m:t>𝑨</m:t>
+                          </m:r>
+                        </m:e>
+                        <m:e>
+                          <m:sSub>
+                            <m:sSubPr>
+                              <m:ctrlPr>
+                                <a:rPr lang="en-US" altLang="zh-CN" b="0" i="1" smtClean="0">
+                                  <a:latin typeface="Cambria Math" panose="02040503050406030204" pitchFamily="18" charset="0"/>
+                                </a:rPr>
+                              </m:ctrlPr>
+                            </m:sSubPr>
+                            <m:e>
+                              <m:r>
+                                <a:rPr lang="en-US" altLang="zh-CN" b="0" i="1" smtClean="0">
+                                  <a:latin typeface="Cambria Math" panose="02040503050406030204" pitchFamily="18" charset="0"/>
+                                </a:rPr>
+                                <m:t>𝛼</m:t>
+                              </m:r>
+                            </m:e>
+                            <m:sub>
+                              <m:r>
+                                <a:rPr lang="en-US" altLang="zh-CN" b="0" i="1" smtClean="0">
+                                  <a:latin typeface="Cambria Math" panose="02040503050406030204" pitchFamily="18" charset="0"/>
+                                </a:rPr>
+                                <m:t>0</m:t>
+                              </m:r>
+                            </m:sub>
+                          </m:sSub>
+                          <m:r>
+                            <a:rPr lang="en-US" altLang="zh-CN" b="0" i="1" smtClean="0">
+                              <a:latin typeface="Cambria Math" panose="02040503050406030204" pitchFamily="18" charset="0"/>
+                            </a:rPr>
+                            <m:t>,</m:t>
+                          </m:r>
+                          <m:r>
+                            <a:rPr lang="en-US" altLang="zh-CN" b="1" i="1" smtClean="0">
+                              <a:latin typeface="Cambria Math" panose="02040503050406030204" pitchFamily="18" charset="0"/>
+                            </a:rPr>
+                            <m:t>𝒁</m:t>
+                          </m:r>
+                        </m:e>
+                      </m:d>
+                      <m:r>
+                        <a:rPr lang="en-US" altLang="zh-CN" b="0" i="1" smtClean="0">
+                          <a:latin typeface="Cambria Math" panose="02040503050406030204" pitchFamily="18" charset="0"/>
+                        </a:rPr>
+                        <m:t>=</m:t>
+                      </m:r>
+                      <m:nary>
+                        <m:naryPr>
+                          <m:chr m:val="∏"/>
+                          <m:supHide m:val="on"/>
+                          <m:ctrlPr>
+                            <a:rPr lang="en-US" altLang="zh-CN" b="0" i="1" smtClean="0">
+                              <a:latin typeface="Cambria Math" panose="02040503050406030204" pitchFamily="18" charset="0"/>
+                            </a:rPr>
+                          </m:ctrlPr>
+                        </m:naryPr>
+                        <m:sub>
+                          <m:r>
+                            <a:rPr lang="en-US" altLang="zh-CN" b="0" i="1" smtClean="0">
+                              <a:latin typeface="Cambria Math" panose="02040503050406030204" pitchFamily="18" charset="0"/>
+                            </a:rPr>
+                            <m:t>𝑖</m:t>
+                          </m:r>
+                          <m:r>
+                            <a:rPr lang="en-US" altLang="zh-CN" b="0" i="1" smtClean="0">
+                              <a:latin typeface="Cambria Math" panose="02040503050406030204" pitchFamily="18" charset="0"/>
+                              <a:ea typeface="Cambria Math" panose="02040503050406030204" pitchFamily="18" charset="0"/>
+                            </a:rPr>
+                            <m:t>≠</m:t>
+                          </m:r>
+                          <m:r>
+                            <a:rPr lang="en-US" altLang="zh-CN" b="0" i="1" smtClean="0">
+                              <a:latin typeface="Cambria Math" panose="02040503050406030204" pitchFamily="18" charset="0"/>
+                              <a:ea typeface="Cambria Math" panose="02040503050406030204" pitchFamily="18" charset="0"/>
+                            </a:rPr>
+                            <m:t>𝑗</m:t>
+                          </m:r>
+                        </m:sub>
+                        <m:sup/>
+                        <m:e>
+                          <m:r>
+                            <a:rPr lang="en-US" altLang="zh-CN" b="0" i="1" smtClean="0">
+                              <a:latin typeface="Cambria Math" panose="02040503050406030204" pitchFamily="18" charset="0"/>
+                            </a:rPr>
+                            <m:t>𝑝</m:t>
+                          </m:r>
+                          <m:r>
+                            <a:rPr lang="en-US" altLang="zh-CN" b="0" i="1" smtClean="0">
+                              <a:latin typeface="Cambria Math" panose="02040503050406030204" pitchFamily="18" charset="0"/>
+                            </a:rPr>
+                            <m:t>(</m:t>
+                          </m:r>
+                          <m:sSub>
+                            <m:sSubPr>
+                              <m:ctrlPr>
+                                <a:rPr lang="en-US" altLang="zh-CN" b="0" i="1" smtClean="0">
+                                  <a:latin typeface="Cambria Math" panose="02040503050406030204" pitchFamily="18" charset="0"/>
+                                </a:rPr>
+                              </m:ctrlPr>
+                            </m:sSubPr>
+                            <m:e>
+                              <m:r>
+                                <a:rPr lang="en-US" altLang="zh-CN" b="0" i="1" smtClean="0">
+                                  <a:latin typeface="Cambria Math" panose="02040503050406030204" pitchFamily="18" charset="0"/>
+                                </a:rPr>
+                                <m:t>𝐴</m:t>
+                              </m:r>
+                            </m:e>
+                            <m:sub>
+                              <m:r>
+                                <a:rPr lang="en-US" altLang="zh-CN" b="0" i="1" smtClean="0">
+                                  <a:latin typeface="Cambria Math" panose="02040503050406030204" pitchFamily="18" charset="0"/>
+                                </a:rPr>
+                                <m:t>𝑖𝑗</m:t>
+                              </m:r>
+                            </m:sub>
+                          </m:sSub>
+                          <m:r>
+                            <a:rPr lang="en-US" altLang="zh-CN" b="0" i="1" smtClean="0">
+                              <a:latin typeface="Cambria Math" panose="02040503050406030204" pitchFamily="18" charset="0"/>
+                            </a:rPr>
+                            <m:t>|</m:t>
+                          </m:r>
+                          <m:sSub>
+                            <m:sSubPr>
+                              <m:ctrlPr>
+                                <a:rPr lang="en-US" altLang="zh-CN" b="1" i="1" smtClean="0">
+                                  <a:latin typeface="Cambria Math" panose="02040503050406030204" pitchFamily="18" charset="0"/>
+                                </a:rPr>
+                              </m:ctrlPr>
+                            </m:sSubPr>
+                            <m:e>
+                              <m:r>
+                                <a:rPr lang="en-US" altLang="zh-CN" b="1" i="1" smtClean="0">
+                                  <a:latin typeface="Cambria Math" panose="02040503050406030204" pitchFamily="18" charset="0"/>
+                                </a:rPr>
+                                <m:t>𝒁</m:t>
+                              </m:r>
+                            </m:e>
+                            <m:sub>
+                              <m:r>
+                                <a:rPr lang="en-US" altLang="zh-CN" b="1" i="1" smtClean="0">
+                                  <a:latin typeface="Cambria Math" panose="02040503050406030204" pitchFamily="18" charset="0"/>
+                                </a:rPr>
+                                <m:t>𝒊</m:t>
+                              </m:r>
+                            </m:sub>
+                          </m:sSub>
+                          <m:r>
+                            <a:rPr lang="en-US" altLang="zh-CN" b="1" i="1" smtClean="0">
+                              <a:latin typeface="Cambria Math" panose="02040503050406030204" pitchFamily="18" charset="0"/>
+                            </a:rPr>
+                            <m:t>,</m:t>
+                          </m:r>
+                          <m:sSub>
+                            <m:sSubPr>
+                              <m:ctrlPr>
+                                <a:rPr lang="en-US" altLang="zh-CN" b="1" i="1">
+                                  <a:latin typeface="Cambria Math" panose="02040503050406030204" pitchFamily="18" charset="0"/>
+                                </a:rPr>
+                              </m:ctrlPr>
+                            </m:sSubPr>
+                            <m:e>
+                              <m:r>
+                                <a:rPr lang="en-US" altLang="zh-CN" b="1" i="1">
+                                  <a:latin typeface="Cambria Math" panose="02040503050406030204" pitchFamily="18" charset="0"/>
+                                </a:rPr>
+                                <m:t>𝒁</m:t>
+                              </m:r>
+                            </m:e>
+                            <m:sub>
+                              <m:r>
+                                <a:rPr lang="en-US" altLang="zh-CN" b="1" i="1" smtClean="0">
+                                  <a:latin typeface="Cambria Math" panose="02040503050406030204" pitchFamily="18" charset="0"/>
+                                </a:rPr>
+                                <m:t>𝒋</m:t>
+                              </m:r>
+                            </m:sub>
+                          </m:sSub>
+                          <m:r>
+                            <a:rPr lang="en-US" altLang="zh-CN" b="0" i="1" smtClean="0">
+                              <a:latin typeface="Cambria Math" panose="02040503050406030204" pitchFamily="18" charset="0"/>
+                            </a:rPr>
+                            <m:t>,</m:t>
+                          </m:r>
+                          <m:sSub>
+                            <m:sSubPr>
+                              <m:ctrlPr>
+                                <a:rPr lang="en-US" altLang="zh-CN" b="0" i="1" smtClean="0">
+                                  <a:latin typeface="Cambria Math" panose="02040503050406030204" pitchFamily="18" charset="0"/>
+                                </a:rPr>
+                              </m:ctrlPr>
+                            </m:sSubPr>
+                            <m:e>
+                              <m:r>
+                                <a:rPr lang="en-US" altLang="zh-CN" b="0" i="1" smtClean="0">
+                                  <a:latin typeface="Cambria Math" panose="02040503050406030204" pitchFamily="18" charset="0"/>
+                                </a:rPr>
+                                <m:t>𝛼</m:t>
+                              </m:r>
+                            </m:e>
+                            <m:sub>
+                              <m:r>
+                                <a:rPr lang="en-US" altLang="zh-CN" b="0" i="1" smtClean="0">
+                                  <a:latin typeface="Cambria Math" panose="02040503050406030204" pitchFamily="18" charset="0"/>
+                                </a:rPr>
+                                <m:t>0</m:t>
+                              </m:r>
+                            </m:sub>
+                          </m:sSub>
+                          <m:r>
+                            <a:rPr lang="en-US" altLang="zh-CN" b="0" i="1" smtClean="0">
+                              <a:latin typeface="Cambria Math" panose="02040503050406030204" pitchFamily="18" charset="0"/>
+                            </a:rPr>
+                            <m:t>)</m:t>
+                          </m:r>
+                        </m:e>
+                      </m:nary>
+                    </m:oMath>
+                  </m:oMathPara>
+                </a14:m>
+                <a:endParaRPr lang="en-US" altLang="zh-CN" dirty="0"/>
+              </a:p>
+              <a:p>
+                <a:endParaRPr lang="en-US" altLang="zh-CN" dirty="0"/>
+              </a:p>
+              <a:p>
+                <a:endParaRPr lang="en-US" altLang="zh-CN" dirty="0"/>
+              </a:p>
+              <a:p>
+                <a:r>
+                  <a:rPr lang="en-US" altLang="zh-CN" dirty="0"/>
+                  <a:t>3.</a:t>
+                </a:r>
+                <a:r>
+                  <a:rPr lang="zh-CN" altLang="en-US" dirty="0"/>
+                  <a:t> </a:t>
+                </a:r>
+                <a:r>
+                  <a:rPr lang="en-US" altLang="zh-CN" i="1" dirty="0"/>
+                  <a:t>Monotonous</a:t>
+                </a:r>
+                <a:r>
+                  <a:rPr lang="zh-CN" altLang="en-US" i="1" dirty="0"/>
+                  <a:t> </a:t>
+                </a:r>
+                <a:r>
+                  <a:rPr lang="en-US" altLang="zh-CN" i="1" dirty="0"/>
+                  <a:t>assumption</a:t>
+                </a:r>
+                <a:r>
+                  <a:rPr lang="en-US" altLang="zh-CN" dirty="0"/>
+                  <a:t>:</a:t>
+                </a:r>
+                <a:r>
+                  <a:rPr lang="zh-CN" altLang="en-US" dirty="0"/>
+                  <a:t> </a:t>
+                </a:r>
+                <a:r>
+                  <a:rPr lang="en-US" altLang="zh-CN" dirty="0"/>
+                  <a:t>closer</a:t>
+                </a:r>
+                <a:r>
+                  <a:rPr lang="zh-CN" altLang="en-US" dirty="0"/>
+                  <a:t> </a:t>
+                </a:r>
+                <a:r>
+                  <a:rPr lang="en-US" altLang="zh-CN" dirty="0"/>
+                  <a:t>two</a:t>
+                </a:r>
+                <a:r>
+                  <a:rPr lang="zh-CN" altLang="en-US" dirty="0"/>
+                  <a:t> </a:t>
+                </a:r>
+                <a:r>
+                  <a:rPr lang="en-US" altLang="zh-CN" dirty="0"/>
+                  <a:t>nodes</a:t>
+                </a:r>
+                <a:r>
+                  <a:rPr lang="zh-CN" altLang="en-US" dirty="0"/>
+                  <a:t> </a:t>
+                </a:r>
+                <a:r>
+                  <a:rPr lang="en-US" altLang="zh-CN" dirty="0"/>
+                  <a:t>in</a:t>
+                </a:r>
+                <a:r>
+                  <a:rPr lang="zh-CN" altLang="en-US" dirty="0"/>
+                  <a:t> </a:t>
+                </a:r>
+                <a:r>
+                  <a:rPr lang="en-US" altLang="zh-CN" dirty="0"/>
+                  <a:t>the</a:t>
+                </a:r>
+                <a:r>
+                  <a:rPr lang="zh-CN" altLang="en-US" dirty="0"/>
+                  <a:t> </a:t>
+                </a:r>
+                <a:r>
+                  <a:rPr lang="en-US" altLang="zh-CN" dirty="0"/>
+                  <a:t>latent</a:t>
+                </a:r>
+                <a:r>
+                  <a:rPr lang="zh-CN" altLang="en-US" dirty="0"/>
+                  <a:t> </a:t>
+                </a:r>
+                <a:r>
+                  <a:rPr lang="en-US" altLang="zh-CN" dirty="0"/>
+                  <a:t>space,</a:t>
+                </a:r>
+                <a:r>
+                  <a:rPr lang="zh-CN" altLang="en-US" dirty="0"/>
+                  <a:t> </a:t>
+                </a:r>
+                <a:r>
+                  <a:rPr lang="en-US" altLang="zh-CN" dirty="0"/>
+                  <a:t>more</a:t>
+                </a:r>
+                <a:r>
+                  <a:rPr lang="zh-CN" altLang="en-US" dirty="0"/>
+                  <a:t> </a:t>
+                </a:r>
+                <a:r>
+                  <a:rPr lang="en-US" altLang="zh-CN" dirty="0"/>
+                  <a:t>likely</a:t>
+                </a:r>
+                <a:r>
+                  <a:rPr lang="zh-CN" altLang="en-US" dirty="0"/>
+                  <a:t> </a:t>
+                </a:r>
+                <a:r>
+                  <a:rPr lang="en-US" altLang="zh-CN" dirty="0"/>
+                  <a:t>the</a:t>
+                </a:r>
+                <a:r>
+                  <a:rPr lang="zh-CN" altLang="en-US" dirty="0"/>
+                  <a:t> </a:t>
+                </a:r>
+                <a:r>
+                  <a:rPr lang="en-US" altLang="zh-CN" dirty="0"/>
+                  <a:t>tie</a:t>
+                </a:r>
+                <a:r>
+                  <a:rPr lang="zh-CN" altLang="en-US" dirty="0"/>
+                  <a:t> </a:t>
+                </a:r>
+                <a:r>
+                  <a:rPr lang="en-US" altLang="zh-CN" dirty="0"/>
+                  <a:t>between</a:t>
+                </a:r>
+                <a:r>
+                  <a:rPr lang="zh-CN" altLang="en-US" dirty="0"/>
+                  <a:t> </a:t>
+                </a:r>
+                <a:r>
+                  <a:rPr lang="en-US" altLang="zh-CN" dirty="0"/>
+                  <a:t>the</a:t>
+                </a:r>
+                <a:r>
+                  <a:rPr lang="zh-CN" altLang="en-US" dirty="0"/>
+                  <a:t> </a:t>
+                </a:r>
+                <a:r>
+                  <a:rPr lang="en-US" altLang="zh-CN" dirty="0"/>
+                  <a:t>two</a:t>
+                </a:r>
+                <a:r>
+                  <a:rPr lang="zh-CN" altLang="en-US" dirty="0"/>
+                  <a:t> </a:t>
+                </a:r>
+                <a:r>
+                  <a:rPr lang="en-US" altLang="zh-CN" dirty="0"/>
+                  <a:t>nodes</a:t>
+                </a:r>
+                <a:r>
+                  <a:rPr lang="zh-CN" altLang="en-US" dirty="0"/>
+                  <a:t> </a:t>
+                </a:r>
+                <a:r>
+                  <a:rPr lang="en-US" altLang="zh-CN" dirty="0"/>
+                  <a:t>will</a:t>
+                </a:r>
+                <a:r>
+                  <a:rPr lang="zh-CN" altLang="en-US" dirty="0"/>
+                  <a:t> </a:t>
+                </a:r>
+                <a:r>
+                  <a:rPr lang="en-US" altLang="zh-CN" dirty="0"/>
+                  <a:t>be</a:t>
+                </a:r>
+                <a:r>
+                  <a:rPr lang="zh-CN" altLang="en-US" dirty="0"/>
+                  <a:t> </a:t>
+                </a:r>
+                <a:r>
+                  <a:rPr lang="en-US" altLang="zh-CN" dirty="0"/>
+                  <a:t>1</a:t>
+                </a:r>
+                <a:r>
+                  <a:rPr lang="zh-CN" altLang="en-US" dirty="0"/>
+                  <a:t> </a:t>
+                </a:r>
+                <a:r>
+                  <a:rPr lang="en-US" altLang="zh-CN" dirty="0"/>
+                  <a:t>(present).</a:t>
+                </a:r>
+              </a:p>
+              <a:p>
+                <a:pPr/>
+                <a14:m>
+                  <m:oMathPara xmlns:m="http://schemas.openxmlformats.org/officeDocument/2006/math">
+                    <m:oMathParaPr>
+                      <m:jc m:val="centerGroup"/>
+                    </m:oMathParaPr>
+                    <m:oMath xmlns:m="http://schemas.openxmlformats.org/officeDocument/2006/math">
+                      <m:r>
+                        <a:rPr lang="en-US" altLang="zh-CN" i="1">
+                          <a:latin typeface="Cambria Math" panose="02040503050406030204" pitchFamily="18" charset="0"/>
+                        </a:rPr>
+                        <m:t>𝑝</m:t>
+                      </m:r>
+                      <m:d>
+                        <m:dPr>
+                          <m:ctrlPr>
+                            <a:rPr lang="en-US" altLang="zh-CN" i="1">
+                              <a:latin typeface="Cambria Math" panose="02040503050406030204" pitchFamily="18" charset="0"/>
+                            </a:rPr>
+                          </m:ctrlPr>
+                        </m:dPr>
+                        <m:e>
+                          <m:sSub>
+                            <m:sSubPr>
+                              <m:ctrlPr>
+                                <a:rPr lang="en-US" altLang="zh-CN" i="1">
+                                  <a:latin typeface="Cambria Math" panose="02040503050406030204" pitchFamily="18" charset="0"/>
+                                </a:rPr>
+                              </m:ctrlPr>
+                            </m:sSubPr>
+                            <m:e>
+                              <m:r>
+                                <a:rPr lang="en-US" altLang="zh-CN" i="1">
+                                  <a:latin typeface="Cambria Math" panose="02040503050406030204" pitchFamily="18" charset="0"/>
+                                </a:rPr>
+                                <m:t>𝐴</m:t>
+                              </m:r>
+                            </m:e>
+                            <m:sub>
+                              <m:r>
+                                <a:rPr lang="en-US" altLang="zh-CN" i="1">
+                                  <a:latin typeface="Cambria Math" panose="02040503050406030204" pitchFamily="18" charset="0"/>
+                                </a:rPr>
+                                <m:t>𝑖𝑗</m:t>
+                              </m:r>
+                            </m:sub>
+                          </m:sSub>
+                        </m:e>
+                        <m:e>
+                          <m:sSub>
+                            <m:sSubPr>
+                              <m:ctrlPr>
+                                <a:rPr lang="en-US" altLang="zh-CN" b="1" i="1">
+                                  <a:latin typeface="Cambria Math" panose="02040503050406030204" pitchFamily="18" charset="0"/>
+                                </a:rPr>
+                              </m:ctrlPr>
+                            </m:sSubPr>
+                            <m:e>
+                              <m:r>
+                                <a:rPr lang="en-US" altLang="zh-CN" b="1" i="1">
+                                  <a:latin typeface="Cambria Math" panose="02040503050406030204" pitchFamily="18" charset="0"/>
+                                </a:rPr>
+                                <m:t>𝒁</m:t>
+                              </m:r>
+                            </m:e>
+                            <m:sub>
+                              <m:r>
+                                <a:rPr lang="en-US" altLang="zh-CN" b="1" i="1">
+                                  <a:latin typeface="Cambria Math" panose="02040503050406030204" pitchFamily="18" charset="0"/>
+                                </a:rPr>
+                                <m:t>𝒊</m:t>
+                              </m:r>
+                            </m:sub>
+                          </m:sSub>
+                          <m:r>
+                            <a:rPr lang="en-US" altLang="zh-CN" b="1" i="1">
+                              <a:latin typeface="Cambria Math" panose="02040503050406030204" pitchFamily="18" charset="0"/>
+                            </a:rPr>
+                            <m:t>,</m:t>
+                          </m:r>
+                          <m:sSub>
+                            <m:sSubPr>
+                              <m:ctrlPr>
+                                <a:rPr lang="en-US" altLang="zh-CN" b="1" i="1">
+                                  <a:latin typeface="Cambria Math" panose="02040503050406030204" pitchFamily="18" charset="0"/>
+                                </a:rPr>
+                              </m:ctrlPr>
+                            </m:sSubPr>
+                            <m:e>
+                              <m:r>
+                                <a:rPr lang="en-US" altLang="zh-CN" b="1" i="1">
+                                  <a:latin typeface="Cambria Math" panose="02040503050406030204" pitchFamily="18" charset="0"/>
+                                </a:rPr>
+                                <m:t>𝒁</m:t>
+                              </m:r>
+                            </m:e>
+                            <m:sub>
+                              <m:r>
+                                <a:rPr lang="en-US" altLang="zh-CN" b="1" i="1">
+                                  <a:latin typeface="Cambria Math" panose="02040503050406030204" pitchFamily="18" charset="0"/>
+                                </a:rPr>
+                                <m:t>𝒊</m:t>
+                              </m:r>
+                            </m:sub>
+                          </m:sSub>
+                          <m:r>
+                            <a:rPr lang="en-US" altLang="zh-CN" i="1">
+                              <a:latin typeface="Cambria Math" panose="02040503050406030204" pitchFamily="18" charset="0"/>
+                            </a:rPr>
+                            <m:t>,</m:t>
+                          </m:r>
+                          <m:sSub>
+                            <m:sSubPr>
+                              <m:ctrlPr>
+                                <a:rPr lang="en-US" altLang="zh-CN" i="1">
+                                  <a:latin typeface="Cambria Math" panose="02040503050406030204" pitchFamily="18" charset="0"/>
+                                </a:rPr>
+                              </m:ctrlPr>
+                            </m:sSubPr>
+                            <m:e>
+                              <m:r>
+                                <a:rPr lang="en-US" altLang="zh-CN" i="1">
+                                  <a:latin typeface="Cambria Math" panose="02040503050406030204" pitchFamily="18" charset="0"/>
+                                </a:rPr>
+                                <m:t>𝛼</m:t>
+                              </m:r>
+                            </m:e>
+                            <m:sub>
+                              <m:r>
+                                <a:rPr lang="en-US" altLang="zh-CN" i="1">
+                                  <a:latin typeface="Cambria Math" panose="02040503050406030204" pitchFamily="18" charset="0"/>
+                                </a:rPr>
+                                <m:t>0</m:t>
+                              </m:r>
+                            </m:sub>
+                          </m:sSub>
+                        </m:e>
+                      </m:d>
+                      <m:r>
+                        <a:rPr lang="en-US" altLang="zh-CN" b="0" i="1" smtClean="0">
+                          <a:latin typeface="Cambria Math" panose="02040503050406030204" pitchFamily="18" charset="0"/>
+                        </a:rPr>
+                        <m:t>=</m:t>
+                      </m:r>
+                      <m:r>
+                        <a:rPr lang="en-US" i="1">
+                          <a:latin typeface="Cambria Math" panose="02040503050406030204" pitchFamily="18" charset="0"/>
+                        </a:rPr>
+                        <m:t>𝑙𝑜𝑔𝑖𝑡</m:t>
+                      </m:r>
+                      <m:r>
+                        <a:rPr lang="en-US" i="1">
+                          <a:latin typeface="Cambria Math" panose="02040503050406030204" pitchFamily="18" charset="0"/>
+                        </a:rPr>
+                        <m:t> </m:t>
+                      </m:r>
+                      <m:d>
+                        <m:dPr>
+                          <m:ctrlPr>
+                            <a:rPr lang="en-US" i="1">
+                              <a:latin typeface="Cambria Math" panose="02040503050406030204" pitchFamily="18" charset="0"/>
+                            </a:rPr>
+                          </m:ctrlPr>
+                        </m:dPr>
+                        <m:e>
+                          <m:r>
+                            <a:rPr lang="en-US" i="1">
+                              <a:latin typeface="Cambria Math" panose="02040503050406030204" pitchFamily="18" charset="0"/>
+                            </a:rPr>
+                            <m:t>𝑃</m:t>
+                          </m:r>
+                          <m:d>
+                            <m:dPr>
+                              <m:ctrlPr>
+                                <a:rPr lang="en-US" i="1">
+                                  <a:latin typeface="Cambria Math" panose="02040503050406030204" pitchFamily="18" charset="0"/>
+                                </a:rPr>
+                              </m:ctrlPr>
+                            </m:dPr>
+                            <m:e>
+                              <m:sSub>
+                                <m:sSubPr>
+                                  <m:ctrlPr>
+                                    <a:rPr lang="en-US" i="1">
+                                      <a:latin typeface="Cambria Math" panose="02040503050406030204" pitchFamily="18" charset="0"/>
+                                    </a:rPr>
+                                  </m:ctrlPr>
+                                </m:sSubPr>
+                                <m:e>
+                                  <m:r>
+                                    <a:rPr lang="en-US" i="1">
+                                      <a:latin typeface="Cambria Math" panose="02040503050406030204" pitchFamily="18" charset="0"/>
+                                    </a:rPr>
+                                    <m:t>𝐴</m:t>
+                                  </m:r>
+                                </m:e>
+                                <m:sub>
+                                  <m:r>
+                                    <a:rPr lang="en-US" i="1">
+                                      <a:latin typeface="Cambria Math" panose="02040503050406030204" pitchFamily="18" charset="0"/>
+                                    </a:rPr>
+                                    <m:t>𝑖𝑗</m:t>
+                                  </m:r>
+                                </m:sub>
+                              </m:sSub>
+                              <m:r>
+                                <a:rPr lang="en-US" i="1">
+                                  <a:latin typeface="Cambria Math" panose="02040503050406030204" pitchFamily="18" charset="0"/>
+                                </a:rPr>
+                                <m:t>=1</m:t>
+                              </m:r>
+                            </m:e>
+                          </m:d>
+                        </m:e>
+                      </m:d>
+                      <m:r>
+                        <a:rPr lang="en-US" i="1">
+                          <a:latin typeface="Cambria Math" panose="02040503050406030204" pitchFamily="18" charset="0"/>
+                        </a:rPr>
+                        <m:t>=</m:t>
+                      </m:r>
+                      <m:sSub>
+                        <m:sSubPr>
+                          <m:ctrlPr>
+                            <a:rPr lang="en-US" i="1">
+                              <a:latin typeface="Cambria Math" panose="02040503050406030204" pitchFamily="18" charset="0"/>
+                            </a:rPr>
+                          </m:ctrlPr>
+                        </m:sSubPr>
+                        <m:e>
+                          <m:r>
+                            <a:rPr lang="en-US" i="1">
+                              <a:latin typeface="Cambria Math" panose="02040503050406030204" pitchFamily="18" charset="0"/>
+                            </a:rPr>
+                            <m:t>𝛼</m:t>
+                          </m:r>
+                        </m:e>
+                        <m:sub>
+                          <m:r>
+                            <a:rPr lang="en-US" i="1">
+                              <a:latin typeface="Cambria Math" panose="02040503050406030204" pitchFamily="18" charset="0"/>
+                            </a:rPr>
+                            <m:t>0</m:t>
+                          </m:r>
+                        </m:sub>
+                      </m:sSub>
+                      <m:r>
+                        <a:rPr lang="en-US" i="1">
+                          <a:latin typeface="Cambria Math" panose="02040503050406030204" pitchFamily="18" charset="0"/>
+                        </a:rPr>
+                        <m:t>−</m:t>
+                      </m:r>
+                      <m:d>
+                        <m:dPr>
+                          <m:begChr m:val="|"/>
+                          <m:endChr m:val="|"/>
+                          <m:ctrlPr>
+                            <a:rPr lang="en-US" i="1">
+                              <a:latin typeface="Cambria Math" panose="02040503050406030204" pitchFamily="18" charset="0"/>
+                            </a:rPr>
+                          </m:ctrlPr>
+                        </m:dPr>
+                        <m:e>
+                          <m:d>
+                            <m:dPr>
+                              <m:begChr m:val="|"/>
+                              <m:endChr m:val="|"/>
+                              <m:ctrlPr>
+                                <a:rPr lang="en-US" i="1">
+                                  <a:latin typeface="Cambria Math" panose="02040503050406030204" pitchFamily="18" charset="0"/>
+                                </a:rPr>
+                              </m:ctrlPr>
+                            </m:dPr>
+                            <m:e>
+                              <m:sSub>
+                                <m:sSubPr>
+                                  <m:ctrlPr>
+                                    <a:rPr lang="en-US" b="1" i="1">
+                                      <a:latin typeface="Cambria Math" panose="02040503050406030204" pitchFamily="18" charset="0"/>
+                                    </a:rPr>
+                                  </m:ctrlPr>
+                                </m:sSubPr>
+                                <m:e>
+                                  <m:r>
+                                    <a:rPr lang="en-US" b="1" i="1">
+                                      <a:latin typeface="Cambria Math" panose="02040503050406030204" pitchFamily="18" charset="0"/>
+                                    </a:rPr>
+                                    <m:t>𝒁</m:t>
+                                  </m:r>
+                                </m:e>
+                                <m:sub>
+                                  <m:r>
+                                    <a:rPr lang="en-US" b="1" i="1">
+                                      <a:latin typeface="Cambria Math" panose="02040503050406030204" pitchFamily="18" charset="0"/>
+                                    </a:rPr>
+                                    <m:t>𝒊</m:t>
+                                  </m:r>
+                                </m:sub>
+                              </m:sSub>
+                              <m:r>
+                                <a:rPr lang="en-US" i="1">
+                                  <a:latin typeface="Cambria Math" panose="02040503050406030204" pitchFamily="18" charset="0"/>
+                                </a:rPr>
+                                <m:t>−</m:t>
+                              </m:r>
+                              <m:sSub>
+                                <m:sSubPr>
+                                  <m:ctrlPr>
+                                    <a:rPr lang="en-US" b="1" i="1">
+                                      <a:latin typeface="Cambria Math" panose="02040503050406030204" pitchFamily="18" charset="0"/>
+                                    </a:rPr>
+                                  </m:ctrlPr>
+                                </m:sSubPr>
+                                <m:e>
+                                  <m:r>
+                                    <a:rPr lang="en-US" b="1" i="1">
+                                      <a:latin typeface="Cambria Math" panose="02040503050406030204" pitchFamily="18" charset="0"/>
+                                    </a:rPr>
+                                    <m:t>𝒁</m:t>
+                                  </m:r>
+                                </m:e>
+                                <m:sub>
+                                  <m:r>
+                                    <a:rPr lang="en-US" b="1" i="1">
+                                      <a:latin typeface="Cambria Math" panose="02040503050406030204" pitchFamily="18" charset="0"/>
+                                    </a:rPr>
+                                    <m:t>𝒋</m:t>
+                                  </m:r>
+                                </m:sub>
+                              </m:sSub>
+                            </m:e>
+                          </m:d>
+                        </m:e>
+                      </m:d>
+                    </m:oMath>
+                  </m:oMathPara>
+                </a14:m>
+                <a:endParaRPr lang="en-US" dirty="0"/>
+              </a:p>
+              <a:p>
+                <a:r>
+                  <a:rPr lang="en-US" altLang="zh-CN" dirty="0"/>
+                  <a:t>,</a:t>
+                </a:r>
+                <a:r>
+                  <a:rPr lang="zh-CN" altLang="en-US" dirty="0"/>
+                  <a:t> </a:t>
+                </a:r>
+                <a:r>
+                  <a:rPr lang="en-US" altLang="zh-CN" dirty="0"/>
+                  <a:t>where</a:t>
+                </a:r>
+                <a:r>
+                  <a:rPr lang="zh-CN" altLang="en-US" dirty="0"/>
+                  <a:t> </a:t>
+                </a:r>
+                <a14:m>
+                  <m:oMath xmlns:m="http://schemas.openxmlformats.org/officeDocument/2006/math">
+                    <m:sSub>
+                      <m:sSubPr>
+                        <m:ctrlPr>
+                          <a:rPr lang="en-US" altLang="zh-CN" b="0" i="1" smtClean="0">
+                            <a:latin typeface="Cambria Math" panose="02040503050406030204" pitchFamily="18" charset="0"/>
+                          </a:rPr>
+                        </m:ctrlPr>
+                      </m:sSubPr>
+                      <m:e>
+                        <m:r>
+                          <a:rPr lang="en-US" altLang="zh-CN" b="0" i="1" smtClean="0">
+                            <a:latin typeface="Cambria Math" panose="02040503050406030204" pitchFamily="18" charset="0"/>
+                          </a:rPr>
+                          <m:t>𝛼</m:t>
+                        </m:r>
+                      </m:e>
+                      <m:sub>
+                        <m:r>
+                          <a:rPr lang="en-US" altLang="zh-CN" b="0" i="1" smtClean="0">
+                            <a:latin typeface="Cambria Math" panose="02040503050406030204" pitchFamily="18" charset="0"/>
+                          </a:rPr>
+                          <m:t>0</m:t>
+                        </m:r>
+                      </m:sub>
+                    </m:sSub>
+                  </m:oMath>
+                </a14:m>
+                <a:r>
+                  <a:rPr lang="zh-CN" altLang="en-US" dirty="0"/>
+                  <a:t> </a:t>
+                </a:r>
+                <a:r>
+                  <a:rPr lang="en-US" altLang="zh-CN" dirty="0"/>
+                  <a:t>is the</a:t>
+                </a:r>
+                <a:r>
+                  <a:rPr lang="zh-CN" altLang="en-US" dirty="0"/>
+                  <a:t> </a:t>
+                </a:r>
+                <a:r>
+                  <a:rPr lang="en-US" altLang="zh-CN" dirty="0"/>
+                  <a:t>intercept</a:t>
+                </a:r>
+                <a:r>
+                  <a:rPr lang="zh-CN" altLang="en-US" dirty="0"/>
+                  <a:t> </a:t>
+                </a:r>
+                <a:r>
+                  <a:rPr lang="en-US" altLang="zh-CN" dirty="0"/>
+                  <a:t>term</a:t>
+                </a:r>
+                <a:r>
+                  <a:rPr lang="zh-CN" altLang="en-US" dirty="0"/>
+                  <a:t> </a:t>
+                </a:r>
+                <a:r>
+                  <a:rPr lang="en-US" altLang="zh-CN" dirty="0"/>
+                  <a:t>and</a:t>
+                </a:r>
+                <a:r>
+                  <a:rPr lang="zh-CN" altLang="en-US" dirty="0"/>
+                  <a:t> </a:t>
+                </a:r>
+                <a:r>
+                  <a:rPr lang="en-US" altLang="zh-CN" dirty="0"/>
+                  <a:t>represent</a:t>
+                </a:r>
+                <a:r>
+                  <a:rPr lang="zh-CN" altLang="en-US" dirty="0"/>
+                  <a:t> </a:t>
+                </a:r>
+                <a:r>
+                  <a:rPr lang="en-US" altLang="zh-CN" dirty="0"/>
+                  <a:t>the</a:t>
+                </a:r>
+                <a:r>
+                  <a:rPr lang="zh-CN" altLang="en-US" dirty="0"/>
+                  <a:t> </a:t>
+                </a:r>
+                <a:r>
+                  <a:rPr lang="en-US" altLang="zh-CN" dirty="0"/>
+                  <a:t>baseline</a:t>
+                </a:r>
+                <a:r>
+                  <a:rPr lang="zh-CN" altLang="en-US" dirty="0"/>
+                  <a:t> </a:t>
+                </a:r>
+                <a:r>
+                  <a:rPr lang="en-US" altLang="zh-CN" dirty="0"/>
+                  <a:t>probability</a:t>
+                </a:r>
+                <a:r>
+                  <a:rPr lang="zh-CN" altLang="en-US" dirty="0"/>
+                  <a:t> </a:t>
+                </a:r>
+                <a:r>
+                  <a:rPr lang="en-US" altLang="zh-CN" dirty="0"/>
+                  <a:t>of</a:t>
+                </a:r>
+                <a:r>
+                  <a:rPr lang="zh-CN" altLang="en-US" dirty="0"/>
+                  <a:t> </a:t>
+                </a:r>
+                <a:r>
+                  <a:rPr lang="en-US" altLang="zh-CN" dirty="0"/>
+                  <a:t>a</a:t>
+                </a:r>
+                <a:r>
+                  <a:rPr lang="zh-CN" altLang="en-US" dirty="0"/>
+                  <a:t> </a:t>
+                </a:r>
+                <a:r>
+                  <a:rPr lang="en-US" altLang="zh-CN" dirty="0"/>
+                  <a:t>tie</a:t>
+                </a:r>
+                <a:r>
+                  <a:rPr lang="zh-CN" altLang="en-US" dirty="0"/>
+                  <a:t> </a:t>
+                </a:r>
+                <a:r>
+                  <a:rPr lang="en-US" altLang="zh-CN" dirty="0"/>
+                  <a:t>for</a:t>
+                </a:r>
+                <a:r>
+                  <a:rPr lang="zh-CN" altLang="en-US" dirty="0"/>
+                  <a:t> </a:t>
+                </a:r>
+                <a:r>
+                  <a:rPr lang="en-US" altLang="zh-CN" dirty="0"/>
+                  <a:t>node</a:t>
+                </a:r>
+                <a:r>
+                  <a:rPr lang="zh-CN" altLang="en-US" dirty="0"/>
+                  <a:t> </a:t>
+                </a:r>
+                <a:r>
+                  <a:rPr lang="en-US" altLang="zh-CN" dirty="0"/>
+                  <a:t>in</a:t>
+                </a:r>
+                <a:r>
+                  <a:rPr lang="zh-CN" altLang="en-US" dirty="0"/>
+                  <a:t> </a:t>
+                </a:r>
+                <a:r>
+                  <a:rPr lang="en-US" altLang="zh-CN" dirty="0"/>
+                  <a:t>the</a:t>
+                </a:r>
+                <a:r>
+                  <a:rPr lang="zh-CN" altLang="en-US" dirty="0"/>
+                  <a:t> </a:t>
+                </a:r>
+                <a:r>
+                  <a:rPr lang="en-US" altLang="zh-CN" dirty="0"/>
+                  <a:t>network</a:t>
+                </a:r>
+                <a:r>
+                  <a:rPr lang="zh-CN" altLang="en-US" dirty="0"/>
+                  <a:t> </a:t>
+                </a:r>
+                <a:r>
+                  <a:rPr lang="en-US" altLang="zh-CN" dirty="0"/>
+                  <a:t>(overall</a:t>
+                </a:r>
+                <a:r>
+                  <a:rPr lang="zh-CN" altLang="en-US" dirty="0"/>
+                  <a:t> </a:t>
+                </a:r>
+                <a:r>
+                  <a:rPr lang="en-US" altLang="zh-CN" dirty="0"/>
+                  <a:t>density</a:t>
+                </a:r>
+                <a:r>
+                  <a:rPr lang="zh-CN" altLang="en-US" dirty="0"/>
+                  <a:t> </a:t>
+                </a:r>
+                <a:r>
+                  <a:rPr lang="en-US" altLang="zh-CN" dirty="0"/>
+                  <a:t>of</a:t>
+                </a:r>
+                <a:r>
+                  <a:rPr lang="zh-CN" altLang="en-US" dirty="0"/>
+                  <a:t> </a:t>
+                </a:r>
+                <a:r>
+                  <a:rPr lang="en-US" altLang="zh-CN" dirty="0"/>
+                  <a:t>the</a:t>
+                </a:r>
+                <a:r>
+                  <a:rPr lang="zh-CN" altLang="en-US" dirty="0"/>
+                  <a:t> </a:t>
+                </a:r>
+                <a:r>
+                  <a:rPr lang="en-US" altLang="zh-CN" dirty="0"/>
+                  <a:t>network),</a:t>
+                </a:r>
+                <a:r>
+                  <a:rPr lang="zh-CN" altLang="en-US" dirty="0"/>
+                  <a:t> </a:t>
+                </a:r>
+                <a14:m>
+                  <m:oMath xmlns:m="http://schemas.openxmlformats.org/officeDocument/2006/math">
+                    <m:sSub>
+                      <m:sSubPr>
+                        <m:ctrlPr>
+                          <a:rPr lang="en-US" b="1" i="1">
+                            <a:latin typeface="Cambria Math" panose="02040503050406030204" pitchFamily="18" charset="0"/>
+                          </a:rPr>
+                        </m:ctrlPr>
+                      </m:sSubPr>
+                      <m:e>
+                        <m:r>
+                          <a:rPr lang="en-US" b="1" i="1">
+                            <a:latin typeface="Cambria Math" panose="02040503050406030204" pitchFamily="18" charset="0"/>
+                          </a:rPr>
+                          <m:t>𝒁</m:t>
+                        </m:r>
+                      </m:e>
+                      <m:sub>
+                        <m:r>
+                          <a:rPr lang="en-US" b="1" i="1">
+                            <a:latin typeface="Cambria Math" panose="02040503050406030204" pitchFamily="18" charset="0"/>
+                          </a:rPr>
+                          <m:t>𝒊</m:t>
+                        </m:r>
+                      </m:sub>
+                    </m:sSub>
+                  </m:oMath>
+                </a14:m>
+                <a:r>
+                  <a:rPr lang="zh-CN" altLang="en-US" dirty="0"/>
+                  <a:t> </a:t>
+                </a:r>
+                <a:r>
+                  <a:rPr lang="en-US" altLang="zh-CN" dirty="0"/>
+                  <a:t>is</a:t>
+                </a:r>
+                <a:r>
+                  <a:rPr lang="zh-CN" altLang="en-US" dirty="0"/>
+                  <a:t> </a:t>
+                </a:r>
+                <a:r>
+                  <a:rPr lang="en-US" altLang="zh-CN" dirty="0"/>
+                  <a:t>a</a:t>
+                </a:r>
+                <a:r>
+                  <a:rPr lang="zh-CN" altLang="en-US" dirty="0"/>
+                  <a:t> </a:t>
+                </a:r>
+                <a:r>
+                  <a:rPr lang="en-US" altLang="zh-CN" dirty="0"/>
+                  <a:t>low</a:t>
+                </a:r>
+                <a:r>
+                  <a:rPr lang="zh-CN" altLang="en-US" dirty="0"/>
+                  <a:t> </a:t>
+                </a:r>
+                <a14:m>
+                  <m:oMath xmlns:m="http://schemas.openxmlformats.org/officeDocument/2006/math">
+                    <m:r>
+                      <a:rPr lang="en-US" altLang="zh-CN" b="0" i="1" smtClean="0">
+                        <a:latin typeface="Cambria Math" panose="02040503050406030204" pitchFamily="18" charset="0"/>
+                      </a:rPr>
+                      <m:t>𝑑</m:t>
+                    </m:r>
+                  </m:oMath>
+                </a14:m>
+                <a:r>
+                  <a:rPr lang="en-US" altLang="zh-CN" dirty="0"/>
+                  <a:t>-dimension</a:t>
+                </a:r>
+                <a:r>
+                  <a:rPr lang="zh-CN" altLang="en-US" dirty="0"/>
+                  <a:t> </a:t>
+                </a:r>
+                <a:r>
+                  <a:rPr lang="en-US" altLang="zh-CN" dirty="0"/>
+                  <a:t>vector</a:t>
+                </a:r>
+                <a:r>
+                  <a:rPr lang="zh-CN" altLang="en-US" dirty="0"/>
+                  <a:t> </a:t>
+                </a:r>
+                <a:r>
+                  <a:rPr lang="en-US" altLang="zh-CN" dirty="0"/>
+                  <a:t>of</a:t>
+                </a:r>
+                <a:r>
+                  <a:rPr lang="zh-CN" altLang="en-US" dirty="0"/>
+                  <a:t> </a:t>
+                </a:r>
+                <a:r>
+                  <a:rPr lang="en-US" altLang="zh-CN" dirty="0"/>
+                  <a:t>latent</a:t>
+                </a:r>
+                <a:r>
+                  <a:rPr lang="zh-CN" altLang="en-US" dirty="0"/>
+                  <a:t> </a:t>
+                </a:r>
+                <a:r>
+                  <a:rPr lang="en-US" altLang="zh-CN" dirty="0"/>
+                  <a:t>space</a:t>
+                </a:r>
+                <a:r>
+                  <a:rPr lang="zh-CN" altLang="en-US" dirty="0"/>
+                  <a:t> </a:t>
+                </a:r>
+                <a:r>
+                  <a:rPr lang="en-US" altLang="zh-CN" dirty="0"/>
+                  <a:t>location,</a:t>
+                </a:r>
+                <a:r>
+                  <a:rPr lang="zh-CN" altLang="en-US" dirty="0"/>
+                  <a:t> </a:t>
+                </a:r>
+                <a14:m>
+                  <m:oMath xmlns:m="http://schemas.openxmlformats.org/officeDocument/2006/math">
+                    <m:d>
+                      <m:dPr>
+                        <m:begChr m:val="|"/>
+                        <m:endChr m:val="|"/>
+                        <m:ctrlPr>
+                          <a:rPr lang="en-US" i="1">
+                            <a:latin typeface="Cambria Math" panose="02040503050406030204" pitchFamily="18" charset="0"/>
+                          </a:rPr>
+                        </m:ctrlPr>
+                      </m:dPr>
+                      <m:e>
+                        <m:d>
+                          <m:dPr>
+                            <m:begChr m:val="|"/>
+                            <m:endChr m:val="|"/>
+                            <m:ctrlPr>
+                              <a:rPr lang="en-US" i="1">
+                                <a:latin typeface="Cambria Math" panose="02040503050406030204" pitchFamily="18" charset="0"/>
+                              </a:rPr>
+                            </m:ctrlPr>
+                          </m:dPr>
+                          <m:e>
+                            <m:sSub>
+                              <m:sSubPr>
+                                <m:ctrlPr>
+                                  <a:rPr lang="en-US" b="1" i="1">
+                                    <a:latin typeface="Cambria Math" panose="02040503050406030204" pitchFamily="18" charset="0"/>
+                                  </a:rPr>
+                                </m:ctrlPr>
+                              </m:sSubPr>
+                              <m:e>
+                                <m:r>
+                                  <a:rPr lang="en-US" b="1" i="1">
+                                    <a:latin typeface="Cambria Math" panose="02040503050406030204" pitchFamily="18" charset="0"/>
+                                  </a:rPr>
+                                  <m:t>𝒁</m:t>
+                                </m:r>
+                              </m:e>
+                              <m:sub>
+                                <m:r>
+                                  <a:rPr lang="en-US" b="1" i="1">
+                                    <a:latin typeface="Cambria Math" panose="02040503050406030204" pitchFamily="18" charset="0"/>
+                                  </a:rPr>
+                                  <m:t>𝒊</m:t>
+                                </m:r>
+                              </m:sub>
+                            </m:sSub>
+                            <m:r>
+                              <a:rPr lang="en-US" i="1">
+                                <a:latin typeface="Cambria Math" panose="02040503050406030204" pitchFamily="18" charset="0"/>
+                              </a:rPr>
+                              <m:t>−</m:t>
+                            </m:r>
+                            <m:sSub>
+                              <m:sSubPr>
+                                <m:ctrlPr>
+                                  <a:rPr lang="en-US" b="1" i="1">
+                                    <a:latin typeface="Cambria Math" panose="02040503050406030204" pitchFamily="18" charset="0"/>
+                                  </a:rPr>
+                                </m:ctrlPr>
+                              </m:sSubPr>
+                              <m:e>
+                                <m:r>
+                                  <a:rPr lang="en-US" b="1" i="1">
+                                    <a:latin typeface="Cambria Math" panose="02040503050406030204" pitchFamily="18" charset="0"/>
+                                  </a:rPr>
+                                  <m:t>𝒁</m:t>
+                                </m:r>
+                              </m:e>
+                              <m:sub>
+                                <m:r>
+                                  <a:rPr lang="en-US" b="1" i="1">
+                                    <a:latin typeface="Cambria Math" panose="02040503050406030204" pitchFamily="18" charset="0"/>
+                                  </a:rPr>
+                                  <m:t>𝒋</m:t>
+                                </m:r>
+                              </m:sub>
+                            </m:sSub>
+                          </m:e>
+                        </m:d>
+                      </m:e>
+                    </m:d>
+                  </m:oMath>
+                </a14:m>
+                <a:r>
+                  <a:rPr lang="zh-CN" altLang="en-US" dirty="0"/>
+                  <a:t> </a:t>
+                </a:r>
+                <a:r>
+                  <a:rPr lang="en-US" altLang="zh-CN" dirty="0"/>
+                  <a:t>is</a:t>
+                </a:r>
+                <a:r>
+                  <a:rPr lang="zh-CN" altLang="en-US" dirty="0"/>
+                  <a:t> </a:t>
+                </a:r>
+                <a:r>
+                  <a:rPr lang="en-US" altLang="zh-CN" dirty="0"/>
+                  <a:t>the</a:t>
+                </a:r>
+                <a:r>
+                  <a:rPr lang="zh-CN" altLang="en-US" dirty="0"/>
+                  <a:t> </a:t>
+                </a:r>
+                <a:r>
+                  <a:rPr lang="en-US" altLang="zh-CN" dirty="0"/>
+                  <a:t>distance</a:t>
+                </a:r>
+                <a:r>
+                  <a:rPr lang="zh-CN" altLang="en-US" dirty="0"/>
+                  <a:t> </a:t>
+                </a:r>
+                <a:r>
+                  <a:rPr lang="en-US" altLang="zh-CN" dirty="0"/>
+                  <a:t>between</a:t>
+                </a:r>
+                <a:r>
+                  <a:rPr lang="zh-CN" altLang="en-US" dirty="0"/>
+                  <a:t> </a:t>
+                </a:r>
+                <a:r>
+                  <a:rPr lang="en-US" altLang="zh-CN" dirty="0"/>
+                  <a:t>node</a:t>
+                </a:r>
+                <a:r>
+                  <a:rPr lang="zh-CN" altLang="en-US" dirty="0"/>
+                  <a:t> </a:t>
+                </a:r>
+                <a14:m>
+                  <m:oMath xmlns:m="http://schemas.openxmlformats.org/officeDocument/2006/math">
+                    <m:r>
+                      <a:rPr lang="en-US" altLang="zh-CN" b="0" i="1" smtClean="0">
+                        <a:latin typeface="Cambria Math" panose="02040503050406030204" pitchFamily="18" charset="0"/>
+                      </a:rPr>
+                      <m:t>𝑖</m:t>
+                    </m:r>
+                  </m:oMath>
+                </a14:m>
+                <a:r>
+                  <a:rPr lang="zh-CN" altLang="en-US" dirty="0"/>
+                  <a:t> </a:t>
+                </a:r>
+                <a:r>
+                  <a:rPr lang="en-US" altLang="zh-CN" dirty="0"/>
+                  <a:t>and</a:t>
+                </a:r>
+                <a:r>
+                  <a:rPr lang="zh-CN" altLang="en-US" dirty="0"/>
+                  <a:t> </a:t>
+                </a:r>
+                <a14:m>
+                  <m:oMath xmlns:m="http://schemas.openxmlformats.org/officeDocument/2006/math">
+                    <m:r>
+                      <a:rPr lang="en-US" altLang="zh-CN" b="0" i="1" smtClean="0">
+                        <a:latin typeface="Cambria Math" panose="02040503050406030204" pitchFamily="18" charset="0"/>
+                      </a:rPr>
+                      <m:t>𝑗</m:t>
+                    </m:r>
+                  </m:oMath>
+                </a14:m>
+                <a:r>
+                  <a:rPr lang="zh-CN" altLang="en-US" dirty="0"/>
+                  <a:t> </a:t>
+                </a:r>
+                <a:r>
+                  <a:rPr lang="en-US" altLang="zh-CN" dirty="0"/>
+                  <a:t>in</a:t>
+                </a:r>
+                <a:r>
+                  <a:rPr lang="zh-CN" altLang="en-US" dirty="0"/>
+                  <a:t> </a:t>
+                </a:r>
+                <a:r>
+                  <a:rPr lang="en-US" altLang="zh-CN" dirty="0"/>
+                  <a:t>the</a:t>
+                </a:r>
+                <a:r>
+                  <a:rPr lang="zh-CN" altLang="en-US" dirty="0"/>
+                  <a:t> </a:t>
+                </a:r>
+                <a:r>
+                  <a:rPr lang="en-US" altLang="zh-CN" dirty="0"/>
+                  <a:t>latent</a:t>
+                </a:r>
+                <a:r>
+                  <a:rPr lang="zh-CN" altLang="en-US" dirty="0"/>
+                  <a:t> </a:t>
+                </a:r>
+                <a:r>
+                  <a:rPr lang="en-US" altLang="zh-CN" dirty="0"/>
+                  <a:t>space,</a:t>
+                </a:r>
+                <a:r>
+                  <a:rPr lang="zh-CN" altLang="en-US" dirty="0"/>
+                  <a:t> </a:t>
+                </a:r>
+                <a:r>
+                  <a:rPr lang="en-US" altLang="zh-CN" dirty="0"/>
+                  <a:t>which</a:t>
+                </a:r>
+                <a:r>
+                  <a:rPr lang="zh-CN" altLang="en-US" dirty="0"/>
+                  <a:t> </a:t>
+                </a:r>
+                <a:r>
+                  <a:rPr lang="en-US" altLang="zh-CN" dirty="0"/>
+                  <a:t>can</a:t>
+                </a:r>
+                <a:r>
+                  <a:rPr lang="zh-CN" altLang="en-US" dirty="0"/>
+                  <a:t> </a:t>
+                </a:r>
+                <a:r>
+                  <a:rPr lang="en-US" altLang="zh-CN" dirty="0"/>
+                  <a:t>be</a:t>
+                </a:r>
+                <a:r>
+                  <a:rPr lang="zh-CN" altLang="en-US" dirty="0"/>
+                  <a:t> </a:t>
+                </a:r>
+                <a:r>
+                  <a:rPr lang="en-US" altLang="zh-CN" dirty="0"/>
+                  <a:t>calculate</a:t>
+                </a:r>
+                <a:r>
+                  <a:rPr lang="zh-CN" altLang="en-US" dirty="0"/>
+                  <a:t> </a:t>
+                </a:r>
+                <a:r>
+                  <a:rPr lang="en-US" altLang="zh-CN" dirty="0"/>
+                  <a:t>based</a:t>
+                </a:r>
+                <a:r>
+                  <a:rPr lang="zh-CN" altLang="en-US" dirty="0"/>
+                  <a:t> </a:t>
+                </a:r>
+                <a:r>
+                  <a:rPr lang="en-US" altLang="zh-CN" dirty="0"/>
+                  <a:t>on</a:t>
+                </a:r>
+                <a:r>
+                  <a:rPr lang="zh-CN" altLang="en-US" dirty="0"/>
+                  <a:t> </a:t>
+                </a:r>
+                <a:r>
+                  <a:rPr lang="en-US" altLang="zh-CN" dirty="0"/>
+                  <a:t>Euclidean distance.</a:t>
+                </a:r>
+              </a:p>
+            </p:txBody>
+          </p:sp>
+        </mc:Choice>
+        <mc:Fallback xmlns="">
+          <p:sp>
+            <p:nvSpPr>
+              <p:cNvPr id="6" name="Rectangle 5">
+                <a:extLst>
+                  <a:ext uri="{FF2B5EF4-FFF2-40B4-BE49-F238E27FC236}">
+                    <a16:creationId xmlns:a16="http://schemas.microsoft.com/office/drawing/2014/main" id="{45B4E307-0211-CB40-89E6-C14152FB5D40}"/>
+                  </a:ext>
+                </a:extLst>
+              </p:cNvPr>
+              <p:cNvSpPr>
+                <a:spLocks noRot="1" noChangeAspect="1" noMove="1" noResize="1" noEditPoints="1" noAdjustHandles="1" noChangeArrowheads="1" noChangeShapeType="1" noTextEdit="1"/>
+              </p:cNvSpPr>
+              <p:nvPr/>
+            </p:nvSpPr>
+            <p:spPr>
+              <a:xfrm>
+                <a:off x="52039" y="1524000"/>
+                <a:ext cx="12192000" cy="4669868"/>
+              </a:xfrm>
+              <a:prstGeom prst="rect">
+                <a:avLst/>
+              </a:prstGeom>
+              <a:blipFill>
+                <a:blip r:embed="rId3"/>
+                <a:stretch>
+                  <a:fillRect l="-312" t="-543" r="-208" b="-1087"/>
+                </a:stretch>
+              </a:blipFill>
+            </p:spPr>
+            <p:txBody>
+              <a:bodyPr/>
+              <a:lstStyle/>
+              <a:p>
+                <a:r>
+                  <a:rPr lang="en-US">
+                    <a:noFill/>
+                  </a:rPr>
+                  <a:t> </a:t>
+                </a:r>
+              </a:p>
+            </p:txBody>
+          </p:sp>
+        </mc:Fallback>
+      </mc:AlternateContent>
+    </p:spTree>
+    <p:extLst>
+      <p:ext uri="{BB962C8B-B14F-4D97-AF65-F5344CB8AC3E}">
+        <p14:creationId xmlns:p14="http://schemas.microsoft.com/office/powerpoint/2010/main" val="1112936240"/>
+      </p:ext>
+    </p:extLst>
+  </p:cSld>
+  <p:clrMapOvr>
+    <a:masterClrMapping/>
+  </p:clrMapOvr>
+</p:sld>
+</file>
+
+<file path=ppt/slides/slide7.xml><?xml version="1.0" encoding="utf-8"?>
+<p:sld xmlns:a="http://schemas.openxmlformats.org/drawingml/2006/main" xmlns:r="http://schemas.openxmlformats.org/officeDocument/2006/relationships" xmlns:p="http://schemas.openxmlformats.org/presentationml/2006/main">
+  <p:cSld>
+    <p:spTree>
+      <p:nvGrpSpPr>
+        <p:cNvPr id="1" name=""/>
+        <p:cNvGrpSpPr/>
+        <p:nvPr/>
+      </p:nvGrpSpPr>
+      <p:grpSpPr>
+        <a:xfrm>
+          <a:off x="0" y="0"/>
+          <a:ext cx="0" cy="0"/>
+          <a:chOff x="0" y="0"/>
+          <a:chExt cx="0" cy="0"/>
+        </a:xfrm>
+      </p:grpSpPr>
+      <p:sp>
+        <p:nvSpPr>
+          <p:cNvPr id="2" name="Title 1">
+            <a:extLst>
+              <a:ext uri="{FF2B5EF4-FFF2-40B4-BE49-F238E27FC236}">
+                <a16:creationId xmlns:a16="http://schemas.microsoft.com/office/drawing/2014/main" id="{9E9FBBD6-1BD6-FB45-9C3C-E3F80DBAD795}"/>
+              </a:ext>
+            </a:extLst>
+          </p:cNvPr>
+          <p:cNvSpPr>
+            <a:spLocks noGrp="1"/>
+          </p:cNvSpPr>
+          <p:nvPr>
+            <p:ph type="title"/>
+          </p:nvPr>
+        </p:nvSpPr>
+        <p:spPr/>
+        <p:txBody>
+          <a:bodyPr/>
+          <a:lstStyle/>
+          <a:p>
+            <a:r>
+              <a:rPr lang="en-US" altLang="zh-CN" dirty="0"/>
+              <a:t>Latent</a:t>
+            </a:r>
+            <a:r>
+              <a:rPr lang="zh-CN" altLang="en-US" dirty="0"/>
+              <a:t> </a:t>
+            </a:r>
+            <a:r>
+              <a:rPr lang="en-US" altLang="zh-CN" dirty="0"/>
+              <a:t>Space</a:t>
+            </a:r>
+            <a:r>
+              <a:rPr lang="zh-CN" altLang="en-US" dirty="0"/>
+              <a:t> </a:t>
+            </a:r>
+            <a:r>
+              <a:rPr lang="en-US" altLang="zh-CN" dirty="0"/>
+              <a:t>Model</a:t>
+            </a:r>
+            <a:r>
+              <a:rPr lang="zh-CN" altLang="en-US" dirty="0"/>
+              <a:t> </a:t>
+            </a:r>
+            <a:r>
+              <a:rPr lang="en-US" altLang="zh-CN" dirty="0"/>
+              <a:t>for</a:t>
+            </a:r>
+            <a:r>
+              <a:rPr lang="zh-CN" altLang="en-US" dirty="0"/>
+              <a:t> </a:t>
+            </a:r>
+            <a:r>
+              <a:rPr lang="en-US" altLang="zh-CN" dirty="0"/>
+              <a:t>Social</a:t>
+            </a:r>
+            <a:r>
+              <a:rPr lang="zh-CN" altLang="en-US" dirty="0"/>
+              <a:t> </a:t>
+            </a:r>
+            <a:r>
+              <a:rPr lang="en-US" altLang="zh-CN" dirty="0"/>
+              <a:t>Inference</a:t>
+            </a:r>
+            <a:endParaRPr lang="en-US" dirty="0"/>
+          </a:p>
+        </p:txBody>
+      </p:sp>
+      <mc:AlternateContent xmlns:mc="http://schemas.openxmlformats.org/markup-compatibility/2006" xmlns:a14="http://schemas.microsoft.com/office/drawing/2010/main">
+        <mc:Choice Requires="a14">
+          <p:sp>
+            <p:nvSpPr>
+              <p:cNvPr id="6" name="Rectangle 5">
+                <a:extLst>
+                  <a:ext uri="{FF2B5EF4-FFF2-40B4-BE49-F238E27FC236}">
+                    <a16:creationId xmlns:a16="http://schemas.microsoft.com/office/drawing/2014/main" id="{45B4E307-0211-CB40-89E6-C14152FB5D40}"/>
+                  </a:ext>
+                </a:extLst>
+              </p:cNvPr>
+              <p:cNvSpPr/>
+              <p:nvPr/>
+            </p:nvSpPr>
+            <p:spPr>
+              <a:xfrm>
+                <a:off x="52039" y="1524000"/>
+                <a:ext cx="12192000" cy="1764394"/>
+              </a:xfrm>
+              <a:prstGeom prst="rect">
+                <a:avLst/>
+              </a:prstGeom>
+            </p:spPr>
+            <p:txBody>
+              <a:bodyPr wrap="square">
+                <a:spAutoFit/>
+              </a:bodyPr>
+              <a:lstStyle/>
+              <a:p>
+                <a:r>
+                  <a:rPr lang="en-US" altLang="zh-CN" b="1" dirty="0"/>
+                  <a:t>Model</a:t>
+                </a:r>
+                <a:r>
+                  <a:rPr lang="zh-CN" altLang="en-US" b="1" dirty="0"/>
+                  <a:t> </a:t>
+                </a:r>
+                <a:r>
+                  <a:rPr lang="en-US" altLang="zh-CN" b="1" dirty="0"/>
+                  <a:t>framework</a:t>
+                </a:r>
+              </a:p>
+              <a:p>
+                <a:pPr lvl="1"/>
+                <a:r>
+                  <a:rPr lang="zh-CN" altLang="en-US" dirty="0"/>
+                  <a:t> </a:t>
+                </a:r>
+                <a:endParaRPr lang="en-US" altLang="zh-CN" dirty="0"/>
+              </a:p>
+              <a:p>
+                <a:pPr/>
                 <a14:m>
                   <m:oMathPara xmlns:m="http://schemas.openxmlformats.org/officeDocument/2006/math">
                     <m:oMathParaPr>
@@ -14278,190 +15947,7 @@
                 <a:endParaRPr lang="en-US" altLang="zh-CN" dirty="0"/>
               </a:p>
               <a:p>
-                <a:endParaRPr lang="en-US" altLang="zh-CN" dirty="0"/>
-              </a:p>
-              <a:p>
-                <a:endParaRPr lang="en-US" altLang="zh-CN" dirty="0"/>
-              </a:p>
-              <a:p>
-                <a:r>
-                  <a:rPr lang="en-US" altLang="zh-CN" dirty="0"/>
-                  <a:t>3.</a:t>
-                </a:r>
-                <a:r>
-                  <a:rPr lang="zh-CN" altLang="en-US" dirty="0"/>
-                  <a:t> </a:t>
-                </a:r>
-                <a:r>
-                  <a:rPr lang="en-US" altLang="zh-CN" i="1" dirty="0"/>
-                  <a:t>Monotonous</a:t>
-                </a:r>
-                <a:r>
-                  <a:rPr lang="zh-CN" altLang="en-US" i="1" dirty="0"/>
-                  <a:t> </a:t>
-                </a:r>
-                <a:r>
-                  <a:rPr lang="en-US" altLang="zh-CN" i="1" dirty="0"/>
-                  <a:t>assumption</a:t>
-                </a:r>
-                <a:r>
-                  <a:rPr lang="en-US" altLang="zh-CN" dirty="0"/>
-                  <a:t>:</a:t>
-                </a:r>
-                <a:r>
-                  <a:rPr lang="zh-CN" altLang="en-US" dirty="0"/>
-                  <a:t> </a:t>
-                </a:r>
-                <a:r>
-                  <a:rPr lang="en-US" altLang="zh-CN" dirty="0"/>
-                  <a:t>closer</a:t>
-                </a:r>
-                <a:r>
-                  <a:rPr lang="zh-CN" altLang="en-US" dirty="0"/>
-                  <a:t> </a:t>
-                </a:r>
-                <a:r>
-                  <a:rPr lang="en-US" altLang="zh-CN" dirty="0"/>
-                  <a:t>two</a:t>
-                </a:r>
-                <a:r>
-                  <a:rPr lang="zh-CN" altLang="en-US" dirty="0"/>
-                  <a:t> </a:t>
-                </a:r>
-                <a:r>
-                  <a:rPr lang="en-US" altLang="zh-CN" dirty="0"/>
-                  <a:t>nodes</a:t>
-                </a:r>
-                <a:r>
-                  <a:rPr lang="zh-CN" altLang="en-US" dirty="0"/>
-                  <a:t> </a:t>
-                </a:r>
-                <a:r>
-                  <a:rPr lang="en-US" altLang="zh-CN" dirty="0"/>
-                  <a:t>in</a:t>
-                </a:r>
-                <a:r>
-                  <a:rPr lang="zh-CN" altLang="en-US" dirty="0"/>
-                  <a:t> </a:t>
-                </a:r>
-                <a:r>
-                  <a:rPr lang="en-US" altLang="zh-CN" dirty="0"/>
-                  <a:t>the</a:t>
-                </a:r>
-                <a:r>
-                  <a:rPr lang="zh-CN" altLang="en-US" dirty="0"/>
-                  <a:t> </a:t>
-                </a:r>
-                <a:r>
-                  <a:rPr lang="en-US" altLang="zh-CN" dirty="0"/>
-                  <a:t>latent</a:t>
-                </a:r>
-                <a:r>
-                  <a:rPr lang="zh-CN" altLang="en-US" dirty="0"/>
-                  <a:t> </a:t>
-                </a:r>
-                <a:r>
-                  <a:rPr lang="en-US" altLang="zh-CN" dirty="0"/>
-                  <a:t>space,</a:t>
-                </a:r>
-                <a:r>
-                  <a:rPr lang="zh-CN" altLang="en-US" dirty="0"/>
-                  <a:t> </a:t>
-                </a:r>
-                <a:r>
-                  <a:rPr lang="en-US" altLang="zh-CN" dirty="0"/>
-                  <a:t>more</a:t>
-                </a:r>
-                <a:r>
-                  <a:rPr lang="zh-CN" altLang="en-US" dirty="0"/>
-                  <a:t> </a:t>
-                </a:r>
-                <a:r>
-                  <a:rPr lang="en-US" altLang="zh-CN" dirty="0"/>
-                  <a:t>likely</a:t>
-                </a:r>
-                <a:r>
-                  <a:rPr lang="zh-CN" altLang="en-US" dirty="0"/>
-                  <a:t> </a:t>
-                </a:r>
-                <a:r>
-                  <a:rPr lang="en-US" altLang="zh-CN" dirty="0"/>
-                  <a:t>the</a:t>
-                </a:r>
-                <a:r>
-                  <a:rPr lang="zh-CN" altLang="en-US" dirty="0"/>
-                  <a:t> </a:t>
-                </a:r>
-                <a:r>
-                  <a:rPr lang="en-US" altLang="zh-CN" dirty="0"/>
-                  <a:t>tie</a:t>
-                </a:r>
-                <a:r>
-                  <a:rPr lang="zh-CN" altLang="en-US" dirty="0"/>
-                  <a:t> </a:t>
-                </a:r>
-                <a:r>
-                  <a:rPr lang="en-US" altLang="zh-CN" dirty="0"/>
-                  <a:t>between</a:t>
-                </a:r>
-                <a:r>
-                  <a:rPr lang="zh-CN" altLang="en-US" dirty="0"/>
-                  <a:t> </a:t>
-                </a:r>
-                <a:r>
-                  <a:rPr lang="en-US" altLang="zh-CN" dirty="0"/>
-                  <a:t>the</a:t>
-                </a:r>
-                <a:r>
-                  <a:rPr lang="zh-CN" altLang="en-US" dirty="0"/>
-                  <a:t> </a:t>
-                </a:r>
-                <a:r>
-                  <a:rPr lang="en-US" altLang="zh-CN" dirty="0"/>
-                  <a:t>two</a:t>
-                </a:r>
-                <a:r>
-                  <a:rPr lang="zh-CN" altLang="en-US" dirty="0"/>
-                  <a:t> </a:t>
-                </a:r>
-                <a:r>
-                  <a:rPr lang="en-US" altLang="zh-CN" dirty="0"/>
-                  <a:t>nodes</a:t>
-                </a:r>
-                <a:r>
-                  <a:rPr lang="zh-CN" altLang="en-US" dirty="0"/>
-                  <a:t> </a:t>
-                </a:r>
-                <a:r>
-                  <a:rPr lang="en-US" altLang="zh-CN" dirty="0"/>
-                  <a:t>will</a:t>
-                </a:r>
-                <a:r>
-                  <a:rPr lang="zh-CN" altLang="en-US" dirty="0"/>
-                  <a:t> </a:t>
-                </a:r>
-                <a:r>
-                  <a:rPr lang="en-US" altLang="zh-CN" dirty="0"/>
-                  <a:t>be</a:t>
-                </a:r>
-                <a:r>
-                  <a:rPr lang="zh-CN" altLang="en-US" dirty="0"/>
-                  <a:t> </a:t>
-                </a:r>
-                <a:r>
-                  <a:rPr lang="en-US" altLang="zh-CN" dirty="0"/>
-                  <a:t>1</a:t>
-                </a:r>
-                <a:r>
-                  <a:rPr lang="zh-CN" altLang="en-US" dirty="0"/>
-                  <a:t> </a:t>
-                </a:r>
-                <a:r>
-                  <a:rPr lang="en-US" altLang="zh-CN" dirty="0"/>
-                  <a:t>(present).</a:t>
-                </a:r>
-              </a:p>
-              <a:p>
+                <a:pPr/>
                 <a14:m>
                   <m:oMathPara xmlns:m="http://schemas.openxmlformats.org/officeDocument/2006/math">
                     <m:oMathParaPr>
@@ -14606,52 +16092,70 @@
                         <m:t>=</m:t>
                       </m:r>
                       <m:r>
-                        <a:rPr lang="en-US" i="1"/>
+                        <a:rPr lang="en-US" i="1">
+                          <a:latin typeface="Cambria Math" panose="02040503050406030204" pitchFamily="18" charset="0"/>
+                        </a:rPr>
                         <m:t>𝑙𝑜𝑔𝑖𝑡</m:t>
                       </m:r>
                       <m:r>
-                        <a:rPr lang="en-US" i="1"/>
+                        <a:rPr lang="en-US" i="1">
+                          <a:latin typeface="Cambria Math" panose="02040503050406030204" pitchFamily="18" charset="0"/>
+                        </a:rPr>
                         <m:t> </m:t>
                       </m:r>
                       <m:d>
                         <m:dPr>
                           <m:ctrlPr>
-                            <a:rPr lang="en-US" i="1"/>
+                            <a:rPr lang="en-US" i="1">
+                              <a:latin typeface="Cambria Math" panose="02040503050406030204" pitchFamily="18" charset="0"/>
+                            </a:rPr>
                           </m:ctrlPr>
                         </m:dPr>
                         <m:e>
                           <m:r>
-                            <a:rPr lang="en-US" i="1"/>
+                            <a:rPr lang="en-US" i="1">
+                              <a:latin typeface="Cambria Math" panose="02040503050406030204" pitchFamily="18" charset="0"/>
+                            </a:rPr>
                             <m:t>𝑃</m:t>
                           </m:r>
                           <m:d>
                             <m:dPr>
                               <m:ctrlPr>
-                                <a:rPr lang="en-US" i="1"/>
+                                <a:rPr lang="en-US" i="1">
+                                  <a:latin typeface="Cambria Math" panose="02040503050406030204" pitchFamily="18" charset="0"/>
+                                </a:rPr>
                               </m:ctrlPr>
                             </m:dPr>
                             <m:e>
                               <m:sSub>
                                 <m:sSubPr>
                                   <m:ctrlPr>
-                                    <a:rPr lang="en-US" i="1"/>
+                                    <a:rPr lang="en-US" i="1">
+                                      <a:latin typeface="Cambria Math" panose="02040503050406030204" pitchFamily="18" charset="0"/>
+                                    </a:rPr>
                                   </m:ctrlPr>
                                 </m:sSubPr>
                                 <m:e>
                                   <m:r>
-                                    <a:rPr lang="en-US" i="1"/>
+                                    <a:rPr lang="en-US" i="1">
+                                      <a:latin typeface="Cambria Math" panose="02040503050406030204" pitchFamily="18" charset="0"/>
+                                    </a:rPr>
                                     <m:t>𝐴</m:t>
                                   </m:r>
                                 </m:e>
                                 <m:sub>
                                   <m:r>
-                                    <a:rPr lang="en-US" i="1"/>
+                                    <a:rPr lang="en-US" i="1">
+                                      <a:latin typeface="Cambria Math" panose="02040503050406030204" pitchFamily="18" charset="0"/>
+                                    </a:rPr>
                                     <m:t>𝑖𝑗</m:t>
                                   </m:r>
                                 </m:sub>
                               </m:sSub>
                               <m:r>
-                                <a:rPr lang="en-US" i="1"/>
+                                <a:rPr lang="en-US" i="1">
+                                  <a:latin typeface="Cambria Math" panose="02040503050406030204" pitchFamily="18" charset="0"/>
+                                </a:rPr>
                                 <m:t>=1</m:t>
                               </m:r>
                             </m:e>
@@ -14659,30 +16163,40 @@
                         </m:e>
                       </m:d>
                       <m:r>
-                        <a:rPr lang="en-US" i="1"/>
+                        <a:rPr lang="en-US" i="1">
+                          <a:latin typeface="Cambria Math" panose="02040503050406030204" pitchFamily="18" charset="0"/>
+                        </a:rPr>
                         <m:t>=</m:t>
                       </m:r>
                       <m:sSub>
                         <m:sSubPr>
                           <m:ctrlPr>
-                            <a:rPr lang="en-US" i="1"/>
+                            <a:rPr lang="en-US" i="1">
+                              <a:latin typeface="Cambria Math" panose="02040503050406030204" pitchFamily="18" charset="0"/>
+                            </a:rPr>
                           </m:ctrlPr>
                         </m:sSubPr>
                         <m:e>
                           <m:r>
-                            <a:rPr lang="en-US" i="1"/>
+                            <a:rPr lang="en-US" i="1">
+                              <a:latin typeface="Cambria Math" panose="02040503050406030204" pitchFamily="18" charset="0"/>
+                            </a:rPr>
                             <m:t>𝛼</m:t>
                           </m:r>
                         </m:e>
                         <m:sub>
                           <m:r>
-                            <a:rPr lang="en-US" i="1"/>
+                            <a:rPr lang="en-US" i="1">
+                              <a:latin typeface="Cambria Math" panose="02040503050406030204" pitchFamily="18" charset="0"/>
+                            </a:rPr>
                             <m:t>0</m:t>
                           </m:r>
                         </m:sub>
                       </m:sSub>
                       <m:r>
-                        <a:rPr lang="en-US" i="1"/>
+                        <a:rPr lang="en-US" i="1">
+                          <a:latin typeface="Cambria Math" panose="02040503050406030204" pitchFamily="18" charset="0"/>
+                        </a:rPr>
                         <m:t>−</m:t>
                       </m:r>
                       <m:d>
@@ -14690,7 +16204,9 @@
                           <m:begChr m:val="|"/>
                           <m:endChr m:val="|"/>
                           <m:ctrlPr>
-                            <a:rPr lang="en-US" i="1"/>
+                            <a:rPr lang="en-US" i="1">
+                              <a:latin typeface="Cambria Math" panose="02040503050406030204" pitchFamily="18" charset="0"/>
+                            </a:rPr>
                           </m:ctrlPr>
                         </m:dPr>
                         <m:e>
@@ -14699,1374 +16215,64 @@
                               <m:begChr m:val="|"/>
                               <m:endChr m:val="|"/>
                               <m:ctrlPr>
-                                <a:rPr lang="en-US" i="1"/>
+                                <a:rPr lang="en-US" i="1">
+                                  <a:latin typeface="Cambria Math" panose="02040503050406030204" pitchFamily="18" charset="0"/>
+                                </a:rPr>
                               </m:ctrlPr>
                             </m:dPr>
                             <m:e>
                               <m:sSub>
                                 <m:sSubPr>
                                   <m:ctrlPr>
-                                    <a:rPr lang="en-US" b="1" i="1"/>
+                                    <a:rPr lang="en-US" b="1" i="1">
+                                      <a:latin typeface="Cambria Math" panose="02040503050406030204" pitchFamily="18" charset="0"/>
+                                    </a:rPr>
                                   </m:ctrlPr>
                                 </m:sSubPr>
                                 <m:e>
                                   <m:r>
-                                    <a:rPr lang="en-US" b="1" i="1"/>
+                                    <a:rPr lang="en-US" b="1" i="1">
+                                      <a:latin typeface="Cambria Math" panose="02040503050406030204" pitchFamily="18" charset="0"/>
+                                    </a:rPr>
                                     <m:t>𝒁</m:t>
                                   </m:r>
                                 </m:e>
                                 <m:sub>
                                   <m:r>
-                                    <a:rPr lang="en-US" b="1" i="1"/>
+                                    <a:rPr lang="en-US" b="1" i="1">
+                                      <a:latin typeface="Cambria Math" panose="02040503050406030204" pitchFamily="18" charset="0"/>
+                                    </a:rPr>
                                     <m:t>𝒊</m:t>
                                   </m:r>
                                 </m:sub>
                               </m:sSub>
                               <m:r>
-                                <a:rPr lang="en-US" i="1"/>
+                                <a:rPr lang="en-US" i="1">
+                                  <a:latin typeface="Cambria Math" panose="02040503050406030204" pitchFamily="18" charset="0"/>
+                                </a:rPr>
                                 <m:t>−</m:t>
                               </m:r>
                               <m:sSub>
                                 <m:sSubPr>
                                   <m:ctrlPr>
-                                    <a:rPr lang="en-US" b="1" i="1"/>
+                                    <a:rPr lang="en-US" b="1" i="1">
+                                      <a:latin typeface="Cambria Math" panose="02040503050406030204" pitchFamily="18" charset="0"/>
+                                    </a:rPr>
                                   </m:ctrlPr>
                                 </m:sSubPr>
                                 <m:e>
                                   <m:r>
-                                    <a:rPr lang="en-US" b="1" i="1"/>
+                                    <a:rPr lang="en-US" b="1" i="1">
+                                      <a:latin typeface="Cambria Math" panose="02040503050406030204" pitchFamily="18" charset="0"/>
+                                    </a:rPr>
                                     <m:t>𝒁</m:t>
                                   </m:r>
                                 </m:e>
                                 <m:sub>
                                   <m:r>
-                                    <a:rPr lang="en-US" b="1" i="1"/>
-                                    <m:t>𝒋</m:t>
-                                  </m:r>
-                                </m:sub>
-                              </m:sSub>
-                            </m:e>
-                          </m:d>
-                        </m:e>
-                      </m:d>
-                    </m:oMath>
-                  </m:oMathPara>
-                </a14:m>
-                <a:endParaRPr lang="en-US" dirty="0"/>
-              </a:p>
-              <a:p>
-                <a:r>
-                  <a:rPr lang="en-US" altLang="zh-CN" dirty="0"/>
-                  <a:t>,</a:t>
-                </a:r>
-                <a:r>
-                  <a:rPr lang="zh-CN" altLang="en-US" dirty="0"/>
-                  <a:t> </a:t>
-                </a:r>
-                <a:r>
-                  <a:rPr lang="en-US" altLang="zh-CN" dirty="0"/>
-                  <a:t>where</a:t>
-                </a:r>
-                <a:r>
-                  <a:rPr lang="zh-CN" altLang="en-US" dirty="0"/>
-                  <a:t> </a:t>
-                </a:r>
-                <a14:m>
-                  <m:oMath xmlns:m="http://schemas.openxmlformats.org/officeDocument/2006/math">
-                    <m:sSub>
-                      <m:sSubPr>
-                        <m:ctrlPr>
-                          <a:rPr lang="en-US" altLang="zh-CN" b="0" i="1" smtClean="0">
-                            <a:latin typeface="Cambria Math" panose="02040503050406030204" pitchFamily="18" charset="0"/>
-                          </a:rPr>
-                        </m:ctrlPr>
-                      </m:sSubPr>
-                      <m:e>
-                        <m:r>
-                          <a:rPr lang="en-US" altLang="zh-CN" b="0" i="1" smtClean="0">
-                            <a:latin typeface="Cambria Math" panose="02040503050406030204" pitchFamily="18" charset="0"/>
-                          </a:rPr>
-                          <m:t>𝛼</m:t>
-                        </m:r>
-                      </m:e>
-                      <m:sub>
-                        <m:r>
-                          <a:rPr lang="en-US" altLang="zh-CN" b="0" i="1" smtClean="0">
-                            <a:latin typeface="Cambria Math" panose="02040503050406030204" pitchFamily="18" charset="0"/>
-                          </a:rPr>
-                          <m:t>0</m:t>
-                        </m:r>
-                      </m:sub>
-                    </m:sSub>
-                  </m:oMath>
-                </a14:m>
-                <a:r>
-                  <a:rPr lang="zh-CN" altLang="en-US" dirty="0"/>
-                  <a:t> </a:t>
-                </a:r>
-                <a:r>
-                  <a:rPr lang="en-US" altLang="zh-CN" dirty="0"/>
-                  <a:t>is the</a:t>
-                </a:r>
-                <a:r>
-                  <a:rPr lang="zh-CN" altLang="en-US" dirty="0"/>
-                  <a:t> </a:t>
-                </a:r>
-                <a:r>
-                  <a:rPr lang="en-US" altLang="zh-CN" dirty="0"/>
-                  <a:t>intercept</a:t>
-                </a:r>
-                <a:r>
-                  <a:rPr lang="zh-CN" altLang="en-US" dirty="0"/>
-                  <a:t> </a:t>
-                </a:r>
-                <a:r>
-                  <a:rPr lang="en-US" altLang="zh-CN" dirty="0"/>
-                  <a:t>term</a:t>
-                </a:r>
-                <a:r>
-                  <a:rPr lang="zh-CN" altLang="en-US" dirty="0"/>
-                  <a:t> </a:t>
-                </a:r>
-                <a:r>
-                  <a:rPr lang="en-US" altLang="zh-CN" dirty="0"/>
-                  <a:t>and</a:t>
-                </a:r>
-                <a:r>
-                  <a:rPr lang="zh-CN" altLang="en-US" dirty="0"/>
-                  <a:t> </a:t>
-                </a:r>
-                <a:r>
-                  <a:rPr lang="en-US" altLang="zh-CN" dirty="0"/>
-                  <a:t>represent</a:t>
-                </a:r>
-                <a:r>
-                  <a:rPr lang="zh-CN" altLang="en-US" dirty="0"/>
-                  <a:t> </a:t>
-                </a:r>
-                <a:r>
-                  <a:rPr lang="en-US" altLang="zh-CN" dirty="0"/>
-                  <a:t>the</a:t>
-                </a:r>
-                <a:r>
-                  <a:rPr lang="zh-CN" altLang="en-US" dirty="0"/>
-                  <a:t> </a:t>
-                </a:r>
-                <a:r>
-                  <a:rPr lang="en-US" altLang="zh-CN" dirty="0"/>
-                  <a:t>baseline</a:t>
-                </a:r>
-                <a:r>
-                  <a:rPr lang="zh-CN" altLang="en-US" dirty="0"/>
-                  <a:t> </a:t>
-                </a:r>
-                <a:r>
-                  <a:rPr lang="en-US" altLang="zh-CN" dirty="0"/>
-                  <a:t>probability</a:t>
-                </a:r>
-                <a:r>
-                  <a:rPr lang="zh-CN" altLang="en-US" dirty="0"/>
-                  <a:t> </a:t>
-                </a:r>
-                <a:r>
-                  <a:rPr lang="en-US" altLang="zh-CN" dirty="0"/>
-                  <a:t>of</a:t>
-                </a:r>
-                <a:r>
-                  <a:rPr lang="zh-CN" altLang="en-US" dirty="0"/>
-                  <a:t> </a:t>
-                </a:r>
-                <a:r>
-                  <a:rPr lang="en-US" altLang="zh-CN" dirty="0"/>
-                  <a:t>a</a:t>
-                </a:r>
-                <a:r>
-                  <a:rPr lang="zh-CN" altLang="en-US" dirty="0"/>
-                  <a:t> </a:t>
-                </a:r>
-                <a:r>
-                  <a:rPr lang="en-US" altLang="zh-CN" dirty="0"/>
-                  <a:t>tie</a:t>
-                </a:r>
-                <a:r>
-                  <a:rPr lang="zh-CN" altLang="en-US" dirty="0"/>
-                  <a:t> </a:t>
-                </a:r>
-                <a:r>
-                  <a:rPr lang="en-US" altLang="zh-CN" dirty="0"/>
-                  <a:t>for</a:t>
-                </a:r>
-                <a:r>
-                  <a:rPr lang="zh-CN" altLang="en-US" dirty="0"/>
-                  <a:t> </a:t>
-                </a:r>
-                <a:r>
-                  <a:rPr lang="en-US" altLang="zh-CN" dirty="0"/>
-                  <a:t>node</a:t>
-                </a:r>
-                <a:r>
-                  <a:rPr lang="zh-CN" altLang="en-US" dirty="0"/>
-                  <a:t> </a:t>
-                </a:r>
-                <a:r>
-                  <a:rPr lang="en-US" altLang="zh-CN" dirty="0"/>
-                  <a:t>in</a:t>
-                </a:r>
-                <a:r>
-                  <a:rPr lang="zh-CN" altLang="en-US" dirty="0"/>
-                  <a:t> </a:t>
-                </a:r>
-                <a:r>
-                  <a:rPr lang="en-US" altLang="zh-CN" dirty="0"/>
-                  <a:t>the</a:t>
-                </a:r>
-                <a:r>
-                  <a:rPr lang="zh-CN" altLang="en-US" dirty="0"/>
-                  <a:t> </a:t>
-                </a:r>
-                <a:r>
-                  <a:rPr lang="en-US" altLang="zh-CN" dirty="0"/>
-                  <a:t>network</a:t>
-                </a:r>
-                <a:r>
-                  <a:rPr lang="zh-CN" altLang="en-US" dirty="0"/>
-                  <a:t> </a:t>
-                </a:r>
-                <a:r>
-                  <a:rPr lang="en-US" altLang="zh-CN" dirty="0"/>
-                  <a:t>(overall</a:t>
-                </a:r>
-                <a:r>
-                  <a:rPr lang="zh-CN" altLang="en-US" dirty="0"/>
-                  <a:t> </a:t>
-                </a:r>
-                <a:r>
-                  <a:rPr lang="en-US" altLang="zh-CN" dirty="0"/>
-                  <a:t>density</a:t>
-                </a:r>
-                <a:r>
-                  <a:rPr lang="zh-CN" altLang="en-US" dirty="0"/>
-                  <a:t> </a:t>
-                </a:r>
-                <a:r>
-                  <a:rPr lang="en-US" altLang="zh-CN" dirty="0"/>
-                  <a:t>of</a:t>
-                </a:r>
-                <a:r>
-                  <a:rPr lang="zh-CN" altLang="en-US" dirty="0"/>
-                  <a:t> </a:t>
-                </a:r>
-                <a:r>
-                  <a:rPr lang="en-US" altLang="zh-CN" dirty="0"/>
-                  <a:t>the</a:t>
-                </a:r>
-                <a:r>
-                  <a:rPr lang="zh-CN" altLang="en-US" dirty="0"/>
-                  <a:t> </a:t>
-                </a:r>
-                <a:r>
-                  <a:rPr lang="en-US" altLang="zh-CN" dirty="0"/>
-                  <a:t>network),</a:t>
-                </a:r>
-                <a:r>
-                  <a:rPr lang="zh-CN" altLang="en-US" dirty="0"/>
-                  <a:t> </a:t>
-                </a:r>
-                <a14:m>
-                  <m:oMath xmlns:m="http://schemas.openxmlformats.org/officeDocument/2006/math">
-                    <m:sSub>
-                      <m:sSubPr>
-                        <m:ctrlPr>
-                          <a:rPr lang="en-US" b="1" i="1">
-                            <a:latin typeface="Cambria Math" panose="02040503050406030204" pitchFamily="18" charset="0"/>
-                          </a:rPr>
-                        </m:ctrlPr>
-                      </m:sSubPr>
-                      <m:e>
-                        <m:r>
-                          <a:rPr lang="en-US" b="1" i="1">
-                            <a:latin typeface="Cambria Math" panose="02040503050406030204" pitchFamily="18" charset="0"/>
-                          </a:rPr>
-                          <m:t>𝒁</m:t>
-                        </m:r>
-                      </m:e>
-                      <m:sub>
-                        <m:r>
-                          <a:rPr lang="en-US" b="1" i="1">
-                            <a:latin typeface="Cambria Math" panose="02040503050406030204" pitchFamily="18" charset="0"/>
-                          </a:rPr>
-                          <m:t>𝒊</m:t>
-                        </m:r>
-                      </m:sub>
-                    </m:sSub>
-                  </m:oMath>
-                </a14:m>
-                <a:r>
-                  <a:rPr lang="zh-CN" altLang="en-US" dirty="0"/>
-                  <a:t> </a:t>
-                </a:r>
-                <a:r>
-                  <a:rPr lang="en-US" altLang="zh-CN" dirty="0"/>
-                  <a:t>is</a:t>
-                </a:r>
-                <a:r>
-                  <a:rPr lang="zh-CN" altLang="en-US" dirty="0"/>
-                  <a:t> </a:t>
-                </a:r>
-                <a:r>
-                  <a:rPr lang="en-US" altLang="zh-CN" dirty="0"/>
-                  <a:t>a</a:t>
-                </a:r>
-                <a:r>
-                  <a:rPr lang="zh-CN" altLang="en-US" dirty="0"/>
-                  <a:t> </a:t>
-                </a:r>
-                <a:r>
-                  <a:rPr lang="en-US" altLang="zh-CN" dirty="0"/>
-                  <a:t>low</a:t>
-                </a:r>
-                <a:r>
-                  <a:rPr lang="zh-CN" altLang="en-US" dirty="0"/>
-                  <a:t> </a:t>
-                </a:r>
-                <a14:m>
-                  <m:oMath xmlns:m="http://schemas.openxmlformats.org/officeDocument/2006/math">
-                    <m:r>
-                      <a:rPr lang="en-US" altLang="zh-CN" b="0" i="1" smtClean="0">
-                        <a:latin typeface="Cambria Math" panose="02040503050406030204" pitchFamily="18" charset="0"/>
-                      </a:rPr>
-                      <m:t>𝑑</m:t>
-                    </m:r>
-                  </m:oMath>
-                </a14:m>
-                <a:r>
-                  <a:rPr lang="en-US" altLang="zh-CN" dirty="0"/>
-                  <a:t>-dimension</a:t>
-                </a:r>
-                <a:r>
-                  <a:rPr lang="zh-CN" altLang="en-US" dirty="0"/>
-                  <a:t> </a:t>
-                </a:r>
-                <a:r>
-                  <a:rPr lang="en-US" altLang="zh-CN" dirty="0"/>
-                  <a:t>vector</a:t>
-                </a:r>
-                <a:r>
-                  <a:rPr lang="zh-CN" altLang="en-US" dirty="0"/>
-                  <a:t> </a:t>
-                </a:r>
-                <a:r>
-                  <a:rPr lang="en-US" altLang="zh-CN" dirty="0"/>
-                  <a:t>of</a:t>
-                </a:r>
-                <a:r>
-                  <a:rPr lang="zh-CN" altLang="en-US" dirty="0"/>
-                  <a:t> </a:t>
-                </a:r>
-                <a:r>
-                  <a:rPr lang="en-US" altLang="zh-CN" dirty="0"/>
-                  <a:t>latent</a:t>
-                </a:r>
-                <a:r>
-                  <a:rPr lang="zh-CN" altLang="en-US" dirty="0"/>
-                  <a:t> </a:t>
-                </a:r>
-                <a:r>
-                  <a:rPr lang="en-US" altLang="zh-CN" dirty="0"/>
-                  <a:t>space</a:t>
-                </a:r>
-                <a:r>
-                  <a:rPr lang="zh-CN" altLang="en-US" dirty="0"/>
-                  <a:t> </a:t>
-                </a:r>
-                <a:r>
-                  <a:rPr lang="en-US" altLang="zh-CN" dirty="0"/>
-                  <a:t>location,</a:t>
-                </a:r>
-                <a:r>
-                  <a:rPr lang="zh-CN" altLang="en-US" dirty="0"/>
-                  <a:t> </a:t>
-                </a:r>
-                <a14:m>
-                  <m:oMath xmlns:m="http://schemas.openxmlformats.org/officeDocument/2006/math">
-                    <m:d>
-                      <m:dPr>
-                        <m:begChr m:val="|"/>
-                        <m:endChr m:val="|"/>
-                        <m:ctrlPr>
-                          <a:rPr lang="en-US" i="1">
-                            <a:latin typeface="Cambria Math" panose="02040503050406030204" pitchFamily="18" charset="0"/>
-                          </a:rPr>
-                        </m:ctrlPr>
-                      </m:dPr>
-                      <m:e>
-                        <m:d>
-                          <m:dPr>
-                            <m:begChr m:val="|"/>
-                            <m:endChr m:val="|"/>
-                            <m:ctrlPr>
-                              <a:rPr lang="en-US" i="1">
-                                <a:latin typeface="Cambria Math" panose="02040503050406030204" pitchFamily="18" charset="0"/>
-                              </a:rPr>
-                            </m:ctrlPr>
-                          </m:dPr>
-                          <m:e>
-                            <m:sSub>
-                              <m:sSubPr>
-                                <m:ctrlPr>
-                                  <a:rPr lang="en-US" b="1" i="1">
-                                    <a:latin typeface="Cambria Math" panose="02040503050406030204" pitchFamily="18" charset="0"/>
-                                  </a:rPr>
-                                </m:ctrlPr>
-                              </m:sSubPr>
-                              <m:e>
-                                <m:r>
-                                  <a:rPr lang="en-US" b="1" i="1">
-                                    <a:latin typeface="Cambria Math" panose="02040503050406030204" pitchFamily="18" charset="0"/>
-                                  </a:rPr>
-                                  <m:t>𝒁</m:t>
-                                </m:r>
-                              </m:e>
-                              <m:sub>
-                                <m:r>
-                                  <a:rPr lang="en-US" b="1" i="1">
-                                    <a:latin typeface="Cambria Math" panose="02040503050406030204" pitchFamily="18" charset="0"/>
-                                  </a:rPr>
-                                  <m:t>𝒊</m:t>
-                                </m:r>
-                              </m:sub>
-                            </m:sSub>
-                            <m:r>
-                              <a:rPr lang="en-US" i="1">
-                                <a:latin typeface="Cambria Math" panose="02040503050406030204" pitchFamily="18" charset="0"/>
-                              </a:rPr>
-                              <m:t>−</m:t>
-                            </m:r>
-                            <m:sSub>
-                              <m:sSubPr>
-                                <m:ctrlPr>
-                                  <a:rPr lang="en-US" b="1" i="1">
-                                    <a:latin typeface="Cambria Math" panose="02040503050406030204" pitchFamily="18" charset="0"/>
-                                  </a:rPr>
-                                </m:ctrlPr>
-                              </m:sSubPr>
-                              <m:e>
-                                <m:r>
-                                  <a:rPr lang="en-US" b="1" i="1">
-                                    <a:latin typeface="Cambria Math" panose="02040503050406030204" pitchFamily="18" charset="0"/>
-                                  </a:rPr>
-                                  <m:t>𝒁</m:t>
-                                </m:r>
-                              </m:e>
-                              <m:sub>
-                                <m:r>
-                                  <a:rPr lang="en-US" b="1" i="1">
-                                    <a:latin typeface="Cambria Math" panose="02040503050406030204" pitchFamily="18" charset="0"/>
-                                  </a:rPr>
-                                  <m:t>𝒋</m:t>
-                                </m:r>
-                              </m:sub>
-                            </m:sSub>
-                          </m:e>
-                        </m:d>
-                      </m:e>
-                    </m:d>
-                  </m:oMath>
-                </a14:m>
-                <a:r>
-                  <a:rPr lang="zh-CN" altLang="en-US" dirty="0"/>
-                  <a:t> </a:t>
-                </a:r>
-                <a:r>
-                  <a:rPr lang="en-US" altLang="zh-CN" dirty="0"/>
-                  <a:t>is</a:t>
-                </a:r>
-                <a:r>
-                  <a:rPr lang="zh-CN" altLang="en-US" dirty="0"/>
-                  <a:t> </a:t>
-                </a:r>
-                <a:r>
-                  <a:rPr lang="en-US" altLang="zh-CN" dirty="0"/>
-                  <a:t>the</a:t>
-                </a:r>
-                <a:r>
-                  <a:rPr lang="zh-CN" altLang="en-US" dirty="0"/>
-                  <a:t> </a:t>
-                </a:r>
-                <a:r>
-                  <a:rPr lang="en-US" altLang="zh-CN" dirty="0"/>
-                  <a:t>distance</a:t>
-                </a:r>
-                <a:r>
-                  <a:rPr lang="zh-CN" altLang="en-US" dirty="0"/>
-                  <a:t> </a:t>
-                </a:r>
-                <a:r>
-                  <a:rPr lang="en-US" altLang="zh-CN" dirty="0"/>
-                  <a:t>between</a:t>
-                </a:r>
-                <a:r>
-                  <a:rPr lang="zh-CN" altLang="en-US" dirty="0"/>
-                  <a:t> </a:t>
-                </a:r>
-                <a:r>
-                  <a:rPr lang="en-US" altLang="zh-CN" dirty="0"/>
-                  <a:t>node</a:t>
-                </a:r>
-                <a:r>
-                  <a:rPr lang="zh-CN" altLang="en-US" dirty="0"/>
-                  <a:t> </a:t>
-                </a:r>
-                <a14:m>
-                  <m:oMath xmlns:m="http://schemas.openxmlformats.org/officeDocument/2006/math">
-                    <m:r>
-                      <a:rPr lang="en-US" altLang="zh-CN" b="0" i="1" smtClean="0">
-                        <a:latin typeface="Cambria Math" panose="02040503050406030204" pitchFamily="18" charset="0"/>
-                      </a:rPr>
-                      <m:t>𝑖</m:t>
-                    </m:r>
-                  </m:oMath>
-                </a14:m>
-                <a:r>
-                  <a:rPr lang="zh-CN" altLang="en-US" dirty="0"/>
-                  <a:t> </a:t>
-                </a:r>
-                <a:r>
-                  <a:rPr lang="en-US" altLang="zh-CN" dirty="0"/>
-                  <a:t>and</a:t>
-                </a:r>
-                <a:r>
-                  <a:rPr lang="zh-CN" altLang="en-US" dirty="0"/>
-                  <a:t> </a:t>
-                </a:r>
-                <a14:m>
-                  <m:oMath xmlns:m="http://schemas.openxmlformats.org/officeDocument/2006/math">
-                    <m:r>
-                      <a:rPr lang="en-US" altLang="zh-CN" b="0" i="1" smtClean="0">
-                        <a:latin typeface="Cambria Math" panose="02040503050406030204" pitchFamily="18" charset="0"/>
-                      </a:rPr>
-                      <m:t>𝑗</m:t>
-                    </m:r>
-                  </m:oMath>
-                </a14:m>
-                <a:r>
-                  <a:rPr lang="zh-CN" altLang="en-US" dirty="0"/>
-                  <a:t> </a:t>
-                </a:r>
-                <a:r>
-                  <a:rPr lang="en-US" altLang="zh-CN" dirty="0"/>
-                  <a:t>in</a:t>
-                </a:r>
-                <a:r>
-                  <a:rPr lang="zh-CN" altLang="en-US" dirty="0"/>
-                  <a:t> </a:t>
-                </a:r>
-                <a:r>
-                  <a:rPr lang="en-US" altLang="zh-CN" dirty="0"/>
-                  <a:t>the</a:t>
-                </a:r>
-                <a:r>
-                  <a:rPr lang="zh-CN" altLang="en-US" dirty="0"/>
-                  <a:t> </a:t>
-                </a:r>
-                <a:r>
-                  <a:rPr lang="en-US" altLang="zh-CN" dirty="0"/>
-                  <a:t>latent</a:t>
-                </a:r>
-                <a:r>
-                  <a:rPr lang="zh-CN" altLang="en-US" dirty="0"/>
-                  <a:t> </a:t>
-                </a:r>
-                <a:r>
-                  <a:rPr lang="en-US" altLang="zh-CN" dirty="0"/>
-                  <a:t>space,</a:t>
-                </a:r>
-                <a:r>
-                  <a:rPr lang="zh-CN" altLang="en-US" dirty="0"/>
-                  <a:t> </a:t>
-                </a:r>
-                <a:r>
-                  <a:rPr lang="en-US" altLang="zh-CN" dirty="0"/>
-                  <a:t>which</a:t>
-                </a:r>
-                <a:r>
-                  <a:rPr lang="zh-CN" altLang="en-US" dirty="0"/>
-                  <a:t> </a:t>
-                </a:r>
-                <a:r>
-                  <a:rPr lang="en-US" altLang="zh-CN" dirty="0"/>
-                  <a:t>can</a:t>
-                </a:r>
-                <a:r>
-                  <a:rPr lang="zh-CN" altLang="en-US" dirty="0"/>
-                  <a:t> </a:t>
-                </a:r>
-                <a:r>
-                  <a:rPr lang="en-US" altLang="zh-CN" dirty="0"/>
-                  <a:t>be</a:t>
-                </a:r>
-                <a:r>
-                  <a:rPr lang="zh-CN" altLang="en-US" dirty="0"/>
-                  <a:t> </a:t>
-                </a:r>
-                <a:r>
-                  <a:rPr lang="en-US" altLang="zh-CN" dirty="0"/>
-                  <a:t>calculate</a:t>
-                </a:r>
-                <a:r>
-                  <a:rPr lang="zh-CN" altLang="en-US" dirty="0"/>
-                  <a:t> </a:t>
-                </a:r>
-                <a:r>
-                  <a:rPr lang="en-US" altLang="zh-CN" dirty="0"/>
-                  <a:t>based</a:t>
-                </a:r>
-                <a:r>
-                  <a:rPr lang="zh-CN" altLang="en-US" dirty="0"/>
-                  <a:t> </a:t>
-                </a:r>
-                <a:r>
-                  <a:rPr lang="en-US" altLang="zh-CN" dirty="0"/>
-                  <a:t>on</a:t>
-                </a:r>
-                <a:r>
-                  <a:rPr lang="zh-CN" altLang="en-US" dirty="0"/>
-                  <a:t> </a:t>
-                </a:r>
-                <a:r>
-                  <a:rPr lang="en-US" altLang="zh-CN" dirty="0"/>
-                  <a:t>Euclidean distance.</a:t>
-                </a:r>
-              </a:p>
-            </p:txBody>
-          </p:sp>
-        </mc:Choice>
-        <mc:Fallback>
-          <p:sp>
-            <p:nvSpPr>
-              <p:cNvPr id="6" name="Rectangle 5">
-                <a:extLst>
-                  <a:ext uri="{FF2B5EF4-FFF2-40B4-BE49-F238E27FC236}">
-                    <a16:creationId xmlns:a16="http://schemas.microsoft.com/office/drawing/2014/main" id="{45B4E307-0211-CB40-89E6-C14152FB5D40}"/>
-                  </a:ext>
-                </a:extLst>
-              </p:cNvPr>
-              <p:cNvSpPr>
-                <a:spLocks noRot="1" noChangeAspect="1" noMove="1" noResize="1" noEditPoints="1" noAdjustHandles="1" noChangeArrowheads="1" noChangeShapeType="1" noTextEdit="1"/>
-              </p:cNvSpPr>
-              <p:nvPr/>
-            </p:nvSpPr>
-            <p:spPr>
-              <a:xfrm>
-                <a:off x="52039" y="1524000"/>
-                <a:ext cx="12192000" cy="4669868"/>
-              </a:xfrm>
-              <a:prstGeom prst="rect">
-                <a:avLst/>
-              </a:prstGeom>
-              <a:blipFill>
-                <a:blip r:embed="rId3"/>
-                <a:stretch>
-                  <a:fillRect l="-312" t="-543" r="-208" b="-1087"/>
-                </a:stretch>
-              </a:blipFill>
-            </p:spPr>
-            <p:txBody>
-              <a:bodyPr/>
-              <a:lstStyle/>
-              <a:p>
-                <a:r>
-                  <a:rPr lang="en-US">
-                    <a:noFill/>
-                  </a:rPr>
-                  <a:t> </a:t>
-                </a:r>
-              </a:p>
-            </p:txBody>
-          </p:sp>
-        </mc:Fallback>
-      </mc:AlternateContent>
-    </p:spTree>
-    <p:extLst>
-      <p:ext uri="{BB962C8B-B14F-4D97-AF65-F5344CB8AC3E}">
-        <p14:creationId xmlns:p14="http://schemas.microsoft.com/office/powerpoint/2010/main" val="1112936240"/>
-      </p:ext>
-    </p:extLst>
-  </p:cSld>
-  <p:clrMapOvr>
-    <a:masterClrMapping/>
-  </p:clrMapOvr>
-</p:sld>
-</file>
-
-<file path=ppt/slides/slide7.xml><?xml version="1.0" encoding="utf-8"?>
-<p:sld xmlns:a="http://schemas.openxmlformats.org/drawingml/2006/main" xmlns:r="http://schemas.openxmlformats.org/officeDocument/2006/relationships" xmlns:p="http://schemas.openxmlformats.org/presentationml/2006/main">
-  <p:cSld>
-    <p:spTree>
-      <p:nvGrpSpPr>
-        <p:cNvPr id="1" name=""/>
-        <p:cNvGrpSpPr/>
-        <p:nvPr/>
-      </p:nvGrpSpPr>
-      <p:grpSpPr>
-        <a:xfrm>
-          <a:off x="0" y="0"/>
-          <a:ext cx="0" cy="0"/>
-          <a:chOff x="0" y="0"/>
-          <a:chExt cx="0" cy="0"/>
-        </a:xfrm>
-      </p:grpSpPr>
-      <p:sp>
-        <p:nvSpPr>
-          <p:cNvPr id="2" name="Title 1">
-            <a:extLst>
-              <a:ext uri="{FF2B5EF4-FFF2-40B4-BE49-F238E27FC236}">
-                <a16:creationId xmlns:a16="http://schemas.microsoft.com/office/drawing/2014/main" id="{9E9FBBD6-1BD6-FB45-9C3C-E3F80DBAD795}"/>
-              </a:ext>
-            </a:extLst>
-          </p:cNvPr>
-          <p:cNvSpPr>
-            <a:spLocks noGrp="1"/>
-          </p:cNvSpPr>
-          <p:nvPr>
-            <p:ph type="title"/>
-          </p:nvPr>
-        </p:nvSpPr>
-        <p:spPr/>
-        <p:txBody>
-          <a:bodyPr/>
-          <a:lstStyle/>
-          <a:p>
-            <a:r>
-              <a:rPr lang="en-US" altLang="zh-CN" dirty="0"/>
-              <a:t>Latent</a:t>
-            </a:r>
-            <a:r>
-              <a:rPr lang="zh-CN" altLang="en-US" dirty="0"/>
-              <a:t> </a:t>
-            </a:r>
-            <a:r>
-              <a:rPr lang="en-US" altLang="zh-CN" dirty="0"/>
-              <a:t>Space</a:t>
-            </a:r>
-            <a:r>
-              <a:rPr lang="zh-CN" altLang="en-US" dirty="0"/>
-              <a:t> </a:t>
-            </a:r>
-            <a:r>
-              <a:rPr lang="en-US" altLang="zh-CN" dirty="0"/>
-              <a:t>Model</a:t>
-            </a:r>
-            <a:r>
-              <a:rPr lang="zh-CN" altLang="en-US" dirty="0"/>
-              <a:t> </a:t>
-            </a:r>
-            <a:r>
-              <a:rPr lang="en-US" altLang="zh-CN" dirty="0"/>
-              <a:t>for</a:t>
-            </a:r>
-            <a:r>
-              <a:rPr lang="zh-CN" altLang="en-US" dirty="0"/>
-              <a:t> </a:t>
-            </a:r>
-            <a:r>
-              <a:rPr lang="en-US" altLang="zh-CN" dirty="0"/>
-              <a:t>Social</a:t>
-            </a:r>
-            <a:r>
-              <a:rPr lang="zh-CN" altLang="en-US" dirty="0"/>
-              <a:t> </a:t>
-            </a:r>
-            <a:r>
-              <a:rPr lang="en-US" altLang="zh-CN" dirty="0"/>
-              <a:t>Inference</a:t>
-            </a:r>
-            <a:endParaRPr lang="en-US" dirty="0"/>
-          </a:p>
-        </p:txBody>
-      </p:sp>
-      <mc:AlternateContent xmlns:mc="http://schemas.openxmlformats.org/markup-compatibility/2006">
-        <mc:Choice xmlns:a14="http://schemas.microsoft.com/office/drawing/2010/main" Requires="a14">
-          <p:sp>
-            <p:nvSpPr>
-              <p:cNvPr id="6" name="Rectangle 5">
-                <a:extLst>
-                  <a:ext uri="{FF2B5EF4-FFF2-40B4-BE49-F238E27FC236}">
-                    <a16:creationId xmlns:a16="http://schemas.microsoft.com/office/drawing/2014/main" id="{45B4E307-0211-CB40-89E6-C14152FB5D40}"/>
-                  </a:ext>
-                </a:extLst>
-              </p:cNvPr>
-              <p:cNvSpPr/>
-              <p:nvPr/>
-            </p:nvSpPr>
-            <p:spPr>
-              <a:xfrm>
-                <a:off x="52039" y="1524000"/>
-                <a:ext cx="12192000" cy="1764394"/>
-              </a:xfrm>
-              <a:prstGeom prst="rect">
-                <a:avLst/>
-              </a:prstGeom>
-            </p:spPr>
-            <p:txBody>
-              <a:bodyPr wrap="square">
-                <a:spAutoFit/>
-              </a:bodyPr>
-              <a:lstStyle/>
-              <a:p>
-                <a:r>
-                  <a:rPr lang="en-US" altLang="zh-CN" b="1" dirty="0"/>
-                  <a:t>Model</a:t>
-                </a:r>
-                <a:r>
-                  <a:rPr lang="zh-CN" altLang="en-US" b="1" dirty="0"/>
-                  <a:t> </a:t>
-                </a:r>
-                <a:r>
-                  <a:rPr lang="en-US" altLang="zh-CN" b="1" dirty="0"/>
-                  <a:t>framework</a:t>
-                </a:r>
-              </a:p>
-              <a:p>
-                <a:pPr lvl="1"/>
-                <a:r>
-                  <a:rPr lang="zh-CN" altLang="en-US" dirty="0"/>
-                  <a:t> </a:t>
-                </a:r>
-                <a:endParaRPr lang="en-US" altLang="zh-CN" dirty="0"/>
-              </a:p>
-              <a:p>
-                <a14:m>
-                  <m:oMathPara xmlns:m="http://schemas.openxmlformats.org/officeDocument/2006/math">
-                    <m:oMathParaPr>
-                      <m:jc m:val="centerGroup"/>
-                    </m:oMathParaPr>
-                    <m:oMath xmlns:m="http://schemas.openxmlformats.org/officeDocument/2006/math">
-                      <m:r>
-                        <a:rPr lang="en-US" altLang="zh-CN" b="0" i="1" smtClean="0">
-                          <a:latin typeface="Cambria Math" panose="02040503050406030204" pitchFamily="18" charset="0"/>
-                        </a:rPr>
-                        <m:t>𝑃</m:t>
-                      </m:r>
-                      <m:d>
-                        <m:dPr>
-                          <m:ctrlPr>
-                            <a:rPr lang="en-US" altLang="zh-CN" b="0" i="1" smtClean="0">
-                              <a:latin typeface="Cambria Math" panose="02040503050406030204" pitchFamily="18" charset="0"/>
-                            </a:rPr>
-                          </m:ctrlPr>
-                        </m:dPr>
-                        <m:e>
-                          <m:r>
-                            <a:rPr lang="en-US" altLang="zh-CN" b="1" i="1" smtClean="0">
-                              <a:latin typeface="Cambria Math" panose="02040503050406030204" pitchFamily="18" charset="0"/>
-                            </a:rPr>
-                            <m:t>𝑨</m:t>
-                          </m:r>
-                        </m:e>
-                        <m:e>
-                          <m:sSub>
-                            <m:sSubPr>
-                              <m:ctrlPr>
-                                <a:rPr lang="en-US" altLang="zh-CN" b="0" i="1" smtClean="0">
-                                  <a:latin typeface="Cambria Math" panose="02040503050406030204" pitchFamily="18" charset="0"/>
-                                </a:rPr>
-                              </m:ctrlPr>
-                            </m:sSubPr>
-                            <m:e>
-                              <m:r>
-                                <a:rPr lang="en-US" altLang="zh-CN" b="0" i="1" smtClean="0">
-                                  <a:latin typeface="Cambria Math" panose="02040503050406030204" pitchFamily="18" charset="0"/>
-                                </a:rPr>
-                                <m:t>𝛼</m:t>
-                              </m:r>
-                            </m:e>
-                            <m:sub>
-                              <m:r>
-                                <a:rPr lang="en-US" altLang="zh-CN" b="0" i="1" smtClean="0">
-                                  <a:latin typeface="Cambria Math" panose="02040503050406030204" pitchFamily="18" charset="0"/>
-                                </a:rPr>
-                                <m:t>0</m:t>
-                              </m:r>
-                            </m:sub>
-                          </m:sSub>
-                          <m:r>
-                            <a:rPr lang="en-US" altLang="zh-CN" b="0" i="1" smtClean="0">
-                              <a:latin typeface="Cambria Math" panose="02040503050406030204" pitchFamily="18" charset="0"/>
-                            </a:rPr>
-                            <m:t>,</m:t>
-                          </m:r>
-                          <m:r>
-                            <a:rPr lang="en-US" altLang="zh-CN" b="1" i="1" smtClean="0">
-                              <a:latin typeface="Cambria Math" panose="02040503050406030204" pitchFamily="18" charset="0"/>
-                            </a:rPr>
-                            <m:t>𝒁</m:t>
-                          </m:r>
-                        </m:e>
-                      </m:d>
-                      <m:r>
-                        <a:rPr lang="en-US" altLang="zh-CN" b="0" i="1" smtClean="0">
-                          <a:latin typeface="Cambria Math" panose="02040503050406030204" pitchFamily="18" charset="0"/>
-                        </a:rPr>
-                        <m:t>=</m:t>
-                      </m:r>
-                      <m:nary>
-                        <m:naryPr>
-                          <m:chr m:val="∏"/>
-                          <m:supHide m:val="on"/>
-                          <m:ctrlPr>
-                            <a:rPr lang="en-US" altLang="zh-CN" b="0" i="1" smtClean="0">
-                              <a:latin typeface="Cambria Math" panose="02040503050406030204" pitchFamily="18" charset="0"/>
-                            </a:rPr>
-                          </m:ctrlPr>
-                        </m:naryPr>
-                        <m:sub>
-                          <m:r>
-                            <a:rPr lang="en-US" altLang="zh-CN" b="0" i="1" smtClean="0">
-                              <a:latin typeface="Cambria Math" panose="02040503050406030204" pitchFamily="18" charset="0"/>
-                            </a:rPr>
-                            <m:t>𝑖</m:t>
-                          </m:r>
-                          <m:r>
-                            <a:rPr lang="en-US" altLang="zh-CN" b="0" i="1" smtClean="0">
-                              <a:latin typeface="Cambria Math" panose="02040503050406030204" pitchFamily="18" charset="0"/>
-                              <a:ea typeface="Cambria Math" panose="02040503050406030204" pitchFamily="18" charset="0"/>
-                            </a:rPr>
-                            <m:t>≠</m:t>
-                          </m:r>
-                          <m:r>
-                            <a:rPr lang="en-US" altLang="zh-CN" b="0" i="1" smtClean="0">
-                              <a:latin typeface="Cambria Math" panose="02040503050406030204" pitchFamily="18" charset="0"/>
-                              <a:ea typeface="Cambria Math" panose="02040503050406030204" pitchFamily="18" charset="0"/>
-                            </a:rPr>
-                            <m:t>𝑗</m:t>
-                          </m:r>
-                        </m:sub>
-                        <m:sup/>
-                        <m:e>
-                          <m:r>
-                            <a:rPr lang="en-US" altLang="zh-CN" b="0" i="1" smtClean="0">
-                              <a:latin typeface="Cambria Math" panose="02040503050406030204" pitchFamily="18" charset="0"/>
-                            </a:rPr>
-                            <m:t>𝑝</m:t>
-                          </m:r>
-                          <m:r>
-                            <a:rPr lang="en-US" altLang="zh-CN" b="0" i="1" smtClean="0">
-                              <a:latin typeface="Cambria Math" panose="02040503050406030204" pitchFamily="18" charset="0"/>
-                            </a:rPr>
-                            <m:t>(</m:t>
-                          </m:r>
-                          <m:sSub>
-                            <m:sSubPr>
-                              <m:ctrlPr>
-                                <a:rPr lang="en-US" altLang="zh-CN" b="0" i="1" smtClean="0">
-                                  <a:latin typeface="Cambria Math" panose="02040503050406030204" pitchFamily="18" charset="0"/>
-                                </a:rPr>
-                              </m:ctrlPr>
-                            </m:sSubPr>
-                            <m:e>
-                              <m:r>
-                                <a:rPr lang="en-US" altLang="zh-CN" b="0" i="1" smtClean="0">
-                                  <a:latin typeface="Cambria Math" panose="02040503050406030204" pitchFamily="18" charset="0"/>
-                                </a:rPr>
-                                <m:t>𝐴</m:t>
-                              </m:r>
-                            </m:e>
-                            <m:sub>
-                              <m:r>
-                                <a:rPr lang="en-US" altLang="zh-CN" b="0" i="1" smtClean="0">
-                                  <a:latin typeface="Cambria Math" panose="02040503050406030204" pitchFamily="18" charset="0"/>
-                                </a:rPr>
-                                <m:t>𝑖𝑗</m:t>
-                              </m:r>
-                            </m:sub>
-                          </m:sSub>
-                          <m:r>
-                            <a:rPr lang="en-US" altLang="zh-CN" b="0" i="1" smtClean="0">
-                              <a:latin typeface="Cambria Math" panose="02040503050406030204" pitchFamily="18" charset="0"/>
-                            </a:rPr>
-                            <m:t>|</m:t>
-                          </m:r>
-                          <m:sSub>
-                            <m:sSubPr>
-                              <m:ctrlPr>
-                                <a:rPr lang="en-US" altLang="zh-CN" b="1" i="1" smtClean="0">
-                                  <a:latin typeface="Cambria Math" panose="02040503050406030204" pitchFamily="18" charset="0"/>
-                                </a:rPr>
-                              </m:ctrlPr>
-                            </m:sSubPr>
-                            <m:e>
-                              <m:r>
-                                <a:rPr lang="en-US" altLang="zh-CN" b="1" i="1" smtClean="0">
-                                  <a:latin typeface="Cambria Math" panose="02040503050406030204" pitchFamily="18" charset="0"/>
-                                </a:rPr>
-                                <m:t>𝒁</m:t>
-                              </m:r>
-                            </m:e>
-                            <m:sub>
-                              <m:r>
-                                <a:rPr lang="en-US" altLang="zh-CN" b="1" i="1" smtClean="0">
-                                  <a:latin typeface="Cambria Math" panose="02040503050406030204" pitchFamily="18" charset="0"/>
-                                </a:rPr>
-                                <m:t>𝒊</m:t>
-                              </m:r>
-                            </m:sub>
-                          </m:sSub>
-                          <m:r>
-                            <a:rPr lang="en-US" altLang="zh-CN" b="1" i="1" smtClean="0">
-                              <a:latin typeface="Cambria Math" panose="02040503050406030204" pitchFamily="18" charset="0"/>
-                            </a:rPr>
-                            <m:t>,</m:t>
-                          </m:r>
-                          <m:sSub>
-                            <m:sSubPr>
-                              <m:ctrlPr>
-                                <a:rPr lang="en-US" altLang="zh-CN" b="1" i="1">
-                                  <a:latin typeface="Cambria Math" panose="02040503050406030204" pitchFamily="18" charset="0"/>
-                                </a:rPr>
-                              </m:ctrlPr>
-                            </m:sSubPr>
-                            <m:e>
-                              <m:r>
-                                <a:rPr lang="en-US" altLang="zh-CN" b="1" i="1">
-                                  <a:latin typeface="Cambria Math" panose="02040503050406030204" pitchFamily="18" charset="0"/>
-                                </a:rPr>
-                                <m:t>𝒁</m:t>
-                              </m:r>
-                            </m:e>
-                            <m:sub>
-                              <m:r>
-                                <a:rPr lang="en-US" altLang="zh-CN" b="1" i="1">
-                                  <a:latin typeface="Cambria Math" panose="02040503050406030204" pitchFamily="18" charset="0"/>
-                                </a:rPr>
-                                <m:t>𝒊</m:t>
-                              </m:r>
-                            </m:sub>
-                          </m:sSub>
-                          <m:r>
-                            <a:rPr lang="en-US" altLang="zh-CN" b="0" i="1" smtClean="0">
-                              <a:latin typeface="Cambria Math" panose="02040503050406030204" pitchFamily="18" charset="0"/>
-                            </a:rPr>
-                            <m:t>,</m:t>
-                          </m:r>
-                          <m:sSub>
-                            <m:sSubPr>
-                              <m:ctrlPr>
-                                <a:rPr lang="en-US" altLang="zh-CN" b="0" i="1" smtClean="0">
-                                  <a:latin typeface="Cambria Math" panose="02040503050406030204" pitchFamily="18" charset="0"/>
-                                </a:rPr>
-                              </m:ctrlPr>
-                            </m:sSubPr>
-                            <m:e>
-                              <m:r>
-                                <a:rPr lang="en-US" altLang="zh-CN" b="0" i="1" smtClean="0">
-                                  <a:latin typeface="Cambria Math" panose="02040503050406030204" pitchFamily="18" charset="0"/>
-                                </a:rPr>
-                                <m:t>𝛼</m:t>
-                              </m:r>
-                            </m:e>
-                            <m:sub>
-                              <m:r>
-                                <a:rPr lang="en-US" altLang="zh-CN" b="0" i="1" smtClean="0">
-                                  <a:latin typeface="Cambria Math" panose="02040503050406030204" pitchFamily="18" charset="0"/>
-                                </a:rPr>
-                                <m:t>0</m:t>
-                              </m:r>
-                            </m:sub>
-                          </m:sSub>
-                          <m:r>
-                            <a:rPr lang="en-US" altLang="zh-CN" b="0" i="1" smtClean="0">
-                              <a:latin typeface="Cambria Math" panose="02040503050406030204" pitchFamily="18" charset="0"/>
-                            </a:rPr>
-                            <m:t>)</m:t>
-                          </m:r>
-                        </m:e>
-                      </m:nary>
-                    </m:oMath>
-                  </m:oMathPara>
-                </a14:m>
-                <a:endParaRPr lang="en-US" altLang="zh-CN" dirty="0"/>
-              </a:p>
-              <a:p>
-                <a14:m>
-                  <m:oMathPara xmlns:m="http://schemas.openxmlformats.org/officeDocument/2006/math">
-                    <m:oMathParaPr>
-                      <m:jc m:val="centerGroup"/>
-                    </m:oMathParaPr>
-                    <m:oMath xmlns:m="http://schemas.openxmlformats.org/officeDocument/2006/math">
-                      <m:r>
-                        <a:rPr lang="en-US" altLang="zh-CN" i="1">
-                          <a:latin typeface="Cambria Math" panose="02040503050406030204" pitchFamily="18" charset="0"/>
-                        </a:rPr>
-                        <m:t>𝑝</m:t>
-                      </m:r>
-                      <m:d>
-                        <m:dPr>
-                          <m:ctrlPr>
-                            <a:rPr lang="en-US" altLang="zh-CN" i="1">
-                              <a:latin typeface="Cambria Math" panose="02040503050406030204" pitchFamily="18" charset="0"/>
-                            </a:rPr>
-                          </m:ctrlPr>
-                        </m:dPr>
-                        <m:e>
-                          <m:sSub>
-                            <m:sSubPr>
-                              <m:ctrlPr>
-                                <a:rPr lang="en-US" altLang="zh-CN" i="1">
-                                  <a:latin typeface="Cambria Math" panose="02040503050406030204" pitchFamily="18" charset="0"/>
-                                </a:rPr>
-                              </m:ctrlPr>
-                            </m:sSubPr>
-                            <m:e>
-                              <m:r>
-                                <a:rPr lang="en-US" altLang="zh-CN" i="1">
-                                  <a:latin typeface="Cambria Math" panose="02040503050406030204" pitchFamily="18" charset="0"/>
-                                </a:rPr>
-                                <m:t>𝐴</m:t>
-                              </m:r>
-                            </m:e>
-                            <m:sub>
-                              <m:r>
-                                <a:rPr lang="en-US" altLang="zh-CN" i="1">
-                                  <a:latin typeface="Cambria Math" panose="02040503050406030204" pitchFamily="18" charset="0"/>
-                                </a:rPr>
-                                <m:t>𝑖𝑗</m:t>
-                              </m:r>
-                            </m:sub>
-                          </m:sSub>
-                        </m:e>
-                        <m:e>
-                          <m:sSub>
-                            <m:sSubPr>
-                              <m:ctrlPr>
-                                <a:rPr lang="en-US" altLang="zh-CN" b="1" i="1">
-                                  <a:latin typeface="Cambria Math" panose="02040503050406030204" pitchFamily="18" charset="0"/>
-                                </a:rPr>
-                              </m:ctrlPr>
-                            </m:sSubPr>
-                            <m:e>
-                              <m:r>
-                                <a:rPr lang="en-US" altLang="zh-CN" b="1" i="1">
-                                  <a:latin typeface="Cambria Math" panose="02040503050406030204" pitchFamily="18" charset="0"/>
-                                </a:rPr>
-                                <m:t>𝒁</m:t>
-                              </m:r>
-                            </m:e>
-                            <m:sub>
-                              <m:r>
-                                <a:rPr lang="en-US" altLang="zh-CN" b="1" i="1">
-                                  <a:latin typeface="Cambria Math" panose="02040503050406030204" pitchFamily="18" charset="0"/>
-                                </a:rPr>
-                                <m:t>𝒊</m:t>
-                              </m:r>
-                            </m:sub>
-                          </m:sSub>
-                          <m:r>
-                            <a:rPr lang="en-US" altLang="zh-CN" b="1" i="1">
-                              <a:latin typeface="Cambria Math" panose="02040503050406030204" pitchFamily="18" charset="0"/>
-                            </a:rPr>
-                            <m:t>,</m:t>
-                          </m:r>
-                          <m:sSub>
-                            <m:sSubPr>
-                              <m:ctrlPr>
-                                <a:rPr lang="en-US" altLang="zh-CN" b="1" i="1">
-                                  <a:latin typeface="Cambria Math" panose="02040503050406030204" pitchFamily="18" charset="0"/>
-                                </a:rPr>
-                              </m:ctrlPr>
-                            </m:sSubPr>
-                            <m:e>
-                              <m:r>
-                                <a:rPr lang="en-US" altLang="zh-CN" b="1" i="1">
-                                  <a:latin typeface="Cambria Math" panose="02040503050406030204" pitchFamily="18" charset="0"/>
-                                </a:rPr>
-                                <m:t>𝒁</m:t>
-                              </m:r>
-                            </m:e>
-                            <m:sub>
-                              <m:r>
-                                <a:rPr lang="en-US" altLang="zh-CN" b="1" i="1">
-                                  <a:latin typeface="Cambria Math" panose="02040503050406030204" pitchFamily="18" charset="0"/>
-                                </a:rPr>
-                                <m:t>𝒊</m:t>
-                              </m:r>
-                            </m:sub>
-                          </m:sSub>
-                          <m:r>
-                            <a:rPr lang="en-US" altLang="zh-CN" i="1">
-                              <a:latin typeface="Cambria Math" panose="02040503050406030204" pitchFamily="18" charset="0"/>
-                            </a:rPr>
-                            <m:t>,</m:t>
-                          </m:r>
-                          <m:sSub>
-                            <m:sSubPr>
-                              <m:ctrlPr>
-                                <a:rPr lang="en-US" altLang="zh-CN" i="1">
-                                  <a:latin typeface="Cambria Math" panose="02040503050406030204" pitchFamily="18" charset="0"/>
-                                </a:rPr>
-                              </m:ctrlPr>
-                            </m:sSubPr>
-                            <m:e>
-                              <m:r>
-                                <a:rPr lang="en-US" altLang="zh-CN" i="1">
-                                  <a:latin typeface="Cambria Math" panose="02040503050406030204" pitchFamily="18" charset="0"/>
-                                </a:rPr>
-                                <m:t>𝛼</m:t>
-                              </m:r>
-                            </m:e>
-                            <m:sub>
-                              <m:r>
-                                <a:rPr lang="en-US" altLang="zh-CN" i="1">
-                                  <a:latin typeface="Cambria Math" panose="02040503050406030204" pitchFamily="18" charset="0"/>
-                                </a:rPr>
-                                <m:t>0</m:t>
-                              </m:r>
-                            </m:sub>
-                          </m:sSub>
-                        </m:e>
-                      </m:d>
-                      <m:r>
-                        <a:rPr lang="en-US" altLang="zh-CN" b="0" i="1" smtClean="0">
-                          <a:latin typeface="Cambria Math" panose="02040503050406030204" pitchFamily="18" charset="0"/>
-                        </a:rPr>
-                        <m:t>=</m:t>
-                      </m:r>
-                      <m:r>
-                        <a:rPr lang="en-US" i="1"/>
-                        <m:t>𝑙𝑜𝑔𝑖𝑡</m:t>
-                      </m:r>
-                      <m:r>
-                        <a:rPr lang="en-US" i="1"/>
-                        <m:t> </m:t>
-                      </m:r>
-                      <m:d>
-                        <m:dPr>
-                          <m:ctrlPr>
-                            <a:rPr lang="en-US" i="1"/>
-                          </m:ctrlPr>
-                        </m:dPr>
-                        <m:e>
-                          <m:r>
-                            <a:rPr lang="en-US" i="1"/>
-                            <m:t>𝑃</m:t>
-                          </m:r>
-                          <m:d>
-                            <m:dPr>
-                              <m:ctrlPr>
-                                <a:rPr lang="en-US" i="1"/>
-                              </m:ctrlPr>
-                            </m:dPr>
-                            <m:e>
-                              <m:sSub>
-                                <m:sSubPr>
-                                  <m:ctrlPr>
-                                    <a:rPr lang="en-US" i="1"/>
-                                  </m:ctrlPr>
-                                </m:sSubPr>
-                                <m:e>
-                                  <m:r>
-                                    <a:rPr lang="en-US" i="1"/>
-                                    <m:t>𝐴</m:t>
-                                  </m:r>
-                                </m:e>
-                                <m:sub>
-                                  <m:r>
-                                    <a:rPr lang="en-US" i="1"/>
-                                    <m:t>𝑖𝑗</m:t>
-                                  </m:r>
-                                </m:sub>
-                              </m:sSub>
-                              <m:r>
-                                <a:rPr lang="en-US" i="1"/>
-                                <m:t>=1</m:t>
-                              </m:r>
-                            </m:e>
-                          </m:d>
-                        </m:e>
-                      </m:d>
-                      <m:r>
-                        <a:rPr lang="en-US" i="1"/>
-                        <m:t>=</m:t>
-                      </m:r>
-                      <m:sSub>
-                        <m:sSubPr>
-                          <m:ctrlPr>
-                            <a:rPr lang="en-US" i="1"/>
-                          </m:ctrlPr>
-                        </m:sSubPr>
-                        <m:e>
-                          <m:r>
-                            <a:rPr lang="en-US" i="1"/>
-                            <m:t>𝛼</m:t>
-                          </m:r>
-                        </m:e>
-                        <m:sub>
-                          <m:r>
-                            <a:rPr lang="en-US" i="1"/>
-                            <m:t>0</m:t>
-                          </m:r>
-                        </m:sub>
-                      </m:sSub>
-                      <m:r>
-                        <a:rPr lang="en-US" i="1"/>
-                        <m:t>−</m:t>
-                      </m:r>
-                      <m:d>
-                        <m:dPr>
-                          <m:begChr m:val="|"/>
-                          <m:endChr m:val="|"/>
-                          <m:ctrlPr>
-                            <a:rPr lang="en-US" i="1"/>
-                          </m:ctrlPr>
-                        </m:dPr>
-                        <m:e>
-                          <m:d>
-                            <m:dPr>
-                              <m:begChr m:val="|"/>
-                              <m:endChr m:val="|"/>
-                              <m:ctrlPr>
-                                <a:rPr lang="en-US" i="1"/>
-                              </m:ctrlPr>
-                            </m:dPr>
-                            <m:e>
-                              <m:sSub>
-                                <m:sSubPr>
-                                  <m:ctrlPr>
-                                    <a:rPr lang="en-US" b="1" i="1"/>
-                                  </m:ctrlPr>
-                                </m:sSubPr>
-                                <m:e>
-                                  <m:r>
-                                    <a:rPr lang="en-US" b="1" i="1"/>
-                                    <m:t>𝒁</m:t>
-                                  </m:r>
-                                </m:e>
-                                <m:sub>
-                                  <m:r>
-                                    <a:rPr lang="en-US" b="1" i="1"/>
-                                    <m:t>𝒊</m:t>
-                                  </m:r>
-                                </m:sub>
-                              </m:sSub>
-                              <m:r>
-                                <a:rPr lang="en-US" i="1"/>
-                                <m:t>−</m:t>
-                              </m:r>
-                              <m:sSub>
-                                <m:sSubPr>
-                                  <m:ctrlPr>
-                                    <a:rPr lang="en-US" b="1" i="1"/>
-                                  </m:ctrlPr>
-                                </m:sSubPr>
-                                <m:e>
-                                  <m:r>
-                                    <a:rPr lang="en-US" b="1" i="1"/>
-                                    <m:t>𝒁</m:t>
-                                  </m:r>
-                                </m:e>
-                                <m:sub>
-                                  <m:r>
-                                    <a:rPr lang="en-US" b="1" i="1"/>
+                                    <a:rPr lang="en-US" b="1" i="1">
+                                      <a:latin typeface="Cambria Math" panose="02040503050406030204" pitchFamily="18" charset="0"/>
+                                    </a:rPr>
                                     <m:t>𝒋</m:t>
                                   </m:r>
                                 </m:sub>
@@ -16083,7 +16289,7 @@
             </p:txBody>
           </p:sp>
         </mc:Choice>
-        <mc:Fallback>
+        <mc:Fallback xmlns="">
           <p:sp>
             <p:nvSpPr>
               <p:cNvPr id="6" name="Rectangle 5">
@@ -16150,8 +16356,8 @@
         </p:blipFill>
         <p:spPr>
           <a:xfrm>
-            <a:off x="2453269" y="3569607"/>
-            <a:ext cx="8341112" cy="2576987"/>
+            <a:off x="2208339" y="3435592"/>
+            <a:ext cx="8796224" cy="2717594"/>
           </a:xfrm>
           <a:prstGeom prst="rect">
             <a:avLst/>
@@ -16172,7 +16378,7 @@
         </p:nvSpPr>
         <p:spPr>
           <a:xfrm>
-            <a:off x="2590100" y="6146594"/>
+            <a:off x="2947909" y="6148866"/>
             <a:ext cx="1958613" cy="369332"/>
           </a:xfrm>
           <a:prstGeom prst="rect">
@@ -16404,8 +16610,8 @@
           </a:p>
         </p:txBody>
       </p:sp>
-      <mc:AlternateContent xmlns:mc="http://schemas.openxmlformats.org/markup-compatibility/2006">
-        <mc:Choice xmlns:a14="http://schemas.microsoft.com/office/drawing/2010/main" Requires="a14">
+      <mc:AlternateContent xmlns:mc="http://schemas.openxmlformats.org/markup-compatibility/2006" xmlns:a14="http://schemas.microsoft.com/office/drawing/2010/main">
+        <mc:Choice Requires="a14">
           <p:sp>
             <p:nvSpPr>
               <p:cNvPr id="6" name="Rectangle 5">
@@ -16500,6 +16706,7 @@
                 </a:r>
               </a:p>
               <a:p>
+                <a:pPr/>
                 <a14:m>
                   <m:oMathPara xmlns:m="http://schemas.openxmlformats.org/officeDocument/2006/math">
                     <m:oMathParaPr>
@@ -16509,70 +16716,94 @@
                       <m:sSubSup>
                         <m:sSubSupPr>
                           <m:ctrlPr>
-                            <a:rPr lang="en-US" i="1"/>
+                            <a:rPr lang="en-US" i="1">
+                              <a:latin typeface="Cambria Math" panose="02040503050406030204" pitchFamily="18" charset="0"/>
+                            </a:rPr>
                           </m:ctrlPr>
                         </m:sSubSupPr>
                         <m:e>
                           <m:r>
-                            <a:rPr lang="en-US" i="1"/>
+                            <a:rPr lang="en-US" i="1">
+                              <a:latin typeface="Cambria Math" panose="02040503050406030204" pitchFamily="18" charset="0"/>
+                            </a:rPr>
                             <m:t>𝑌</m:t>
                           </m:r>
                         </m:e>
                         <m:sub>
                           <m:r>
-                            <a:rPr lang="en-US" i="1"/>
+                            <a:rPr lang="en-US" i="1">
+                              <a:latin typeface="Cambria Math" panose="02040503050406030204" pitchFamily="18" charset="0"/>
+                            </a:rPr>
                             <m:t>𝑖</m:t>
                           </m:r>
                         </m:sub>
                         <m:sup>
                           <m:r>
-                            <a:rPr lang="en-US" i="1"/>
+                            <a:rPr lang="en-US" i="1">
+                              <a:latin typeface="Cambria Math" panose="02040503050406030204" pitchFamily="18" charset="0"/>
+                            </a:rPr>
                             <m:t>𝑡</m:t>
                           </m:r>
                         </m:sup>
                       </m:sSubSup>
                       <m:r>
-                        <a:rPr lang="en-US" i="1"/>
+                        <a:rPr lang="en-US" i="1">
+                          <a:latin typeface="Cambria Math" panose="02040503050406030204" pitchFamily="18" charset="0"/>
+                        </a:rPr>
                         <m:t>=</m:t>
                       </m:r>
                       <m:sSub>
                         <m:sSubPr>
                           <m:ctrlPr>
-                            <a:rPr lang="en-US" i="1"/>
+                            <a:rPr lang="en-US" i="1">
+                              <a:latin typeface="Cambria Math" panose="02040503050406030204" pitchFamily="18" charset="0"/>
+                            </a:rPr>
                           </m:ctrlPr>
                         </m:sSubPr>
                         <m:e>
                           <m:r>
-                            <a:rPr lang="en-US" i="1"/>
+                            <a:rPr lang="en-US" i="1">
+                              <a:latin typeface="Cambria Math" panose="02040503050406030204" pitchFamily="18" charset="0"/>
+                            </a:rPr>
                             <m:t>𝛽</m:t>
                           </m:r>
                         </m:e>
                         <m:sub>
                           <m:r>
-                            <a:rPr lang="en-US" i="1"/>
+                            <a:rPr lang="en-US" i="1">
+                              <a:latin typeface="Cambria Math" panose="02040503050406030204" pitchFamily="18" charset="0"/>
+                            </a:rPr>
                             <m:t>0</m:t>
                           </m:r>
                         </m:sub>
                       </m:sSub>
                       <m:r>
-                        <a:rPr lang="en-US" i="1"/>
+                        <a:rPr lang="en-US" i="1">
+                          <a:latin typeface="Cambria Math" panose="02040503050406030204" pitchFamily="18" charset="0"/>
+                        </a:rPr>
                         <m:t>+</m:t>
                       </m:r>
                       <m:sSub>
                         <m:sSubPr>
                           <m:ctrlPr>
-                            <a:rPr lang="en-US" i="1"/>
+                            <a:rPr lang="en-US" i="1">
+                              <a:latin typeface="Cambria Math" panose="02040503050406030204" pitchFamily="18" charset="0"/>
+                            </a:rPr>
                           </m:ctrlPr>
                         </m:sSubPr>
                         <m:e>
                           <m:r>
-                            <a:rPr lang="en-US" i="1"/>
+                            <a:rPr lang="en-US" i="1">
+                              <a:latin typeface="Cambria Math" panose="02040503050406030204" pitchFamily="18" charset="0"/>
+                            </a:rPr>
                             <m:t>𝛽</m:t>
                           </m:r>
                         </m:e>
                         <m:sub>
                           <m:r>
-                            <a:rPr lang="en-US" i="1"/>
+                            <a:rPr lang="en-US" i="1">
+                              <a:latin typeface="Cambria Math" panose="02040503050406030204" pitchFamily="18" charset="0"/>
+                            </a:rPr>
                             <m:t>1</m:t>
                           </m:r>
                         </m:sub>
@@ -16580,51 +16811,69 @@
                       <m:sSubSup>
                         <m:sSubSupPr>
                           <m:ctrlPr>
-                            <a:rPr lang="en-US" i="1"/>
+                            <a:rPr lang="en-US" i="1">
+                              <a:latin typeface="Cambria Math" panose="02040503050406030204" pitchFamily="18" charset="0"/>
+                            </a:rPr>
                           </m:ctrlPr>
                         </m:sSubSupPr>
                         <m:e>
                           <m:r>
-                            <a:rPr lang="en-US" i="1"/>
+                            <a:rPr lang="en-US" i="1">
+                              <a:latin typeface="Cambria Math" panose="02040503050406030204" pitchFamily="18" charset="0"/>
+                            </a:rPr>
                             <m:t>𝑌</m:t>
                           </m:r>
                         </m:e>
                         <m:sub>
                           <m:r>
-                            <a:rPr lang="en-US" i="1"/>
+                            <a:rPr lang="en-US" i="1">
+                              <a:latin typeface="Cambria Math" panose="02040503050406030204" pitchFamily="18" charset="0"/>
+                            </a:rPr>
                             <m:t>𝑖</m:t>
                           </m:r>
                         </m:sub>
                         <m:sup>
                           <m:r>
-                            <a:rPr lang="en-US" i="1"/>
+                            <a:rPr lang="en-US" i="1">
+                              <a:latin typeface="Cambria Math" panose="02040503050406030204" pitchFamily="18" charset="0"/>
+                            </a:rPr>
                             <m:t>𝑡</m:t>
                           </m:r>
                           <m:r>
-                            <a:rPr lang="en-US" i="1"/>
+                            <a:rPr lang="en-US" i="1">
+                              <a:latin typeface="Cambria Math" panose="02040503050406030204" pitchFamily="18" charset="0"/>
+                            </a:rPr>
                             <m:t>−1</m:t>
                           </m:r>
                         </m:sup>
                       </m:sSubSup>
                       <m:r>
-                        <a:rPr lang="en-US" i="1"/>
+                        <a:rPr lang="en-US" i="1">
+                          <a:latin typeface="Cambria Math" panose="02040503050406030204" pitchFamily="18" charset="0"/>
+                        </a:rPr>
                         <m:t>+</m:t>
                       </m:r>
                       <m:sSub>
                         <m:sSubPr>
                           <m:ctrlPr>
-                            <a:rPr lang="en-US" i="1"/>
+                            <a:rPr lang="en-US" i="1">
+                              <a:latin typeface="Cambria Math" panose="02040503050406030204" pitchFamily="18" charset="0"/>
+                            </a:rPr>
                           </m:ctrlPr>
                         </m:sSubPr>
                         <m:e>
                           <m:r>
-                            <a:rPr lang="en-US" i="1"/>
+                            <a:rPr lang="en-US" i="1">
+                              <a:latin typeface="Cambria Math" panose="02040503050406030204" pitchFamily="18" charset="0"/>
+                            </a:rPr>
                             <m:t>𝛽</m:t>
                           </m:r>
                         </m:e>
                         <m:sub>
                           <m:r>
-                            <a:rPr lang="en-US" i="1"/>
+                            <a:rPr lang="en-US" i="1">
+                              <a:latin typeface="Cambria Math" panose="02040503050406030204" pitchFamily="18" charset="0"/>
+                            </a:rPr>
                             <m:t>2</m:t>
                           </m:r>
                         </m:sub>
@@ -16634,33 +16883,45 @@
                           <m:chr m:val="∑"/>
                           <m:supHide m:val="on"/>
                           <m:ctrlPr>
-                            <a:rPr lang="en-US" i="1"/>
+                            <a:rPr lang="en-US" i="1">
+                              <a:latin typeface="Cambria Math" panose="02040503050406030204" pitchFamily="18" charset="0"/>
+                            </a:rPr>
                           </m:ctrlPr>
                         </m:naryPr>
                         <m:sub>
                           <m:r>
-                            <a:rPr lang="en-US" i="1"/>
+                            <a:rPr lang="en-US" i="1">
+                              <a:latin typeface="Cambria Math" panose="02040503050406030204" pitchFamily="18" charset="0"/>
+                            </a:rPr>
                             <m:t>𝑔</m:t>
                           </m:r>
                           <m:r>
-                            <a:rPr lang="en-US" i="1"/>
+                            <a:rPr lang="en-US" i="1">
+                              <a:latin typeface="Cambria Math" panose="02040503050406030204" pitchFamily="18" charset="0"/>
+                            </a:rPr>
                             <m:t>∈</m:t>
                           </m:r>
                           <m:sSub>
                             <m:sSubPr>
                               <m:ctrlPr>
-                                <a:rPr lang="en-US" i="1"/>
+                                <a:rPr lang="en-US" i="1">
+                                  <a:latin typeface="Cambria Math" panose="02040503050406030204" pitchFamily="18" charset="0"/>
+                                </a:rPr>
                               </m:ctrlPr>
                             </m:sSubPr>
                             <m:e>
                               <m:r>
-                                <a:rPr lang="en-US" i="1"/>
+                                <a:rPr lang="en-US" i="1">
+                                  <a:latin typeface="Cambria Math" panose="02040503050406030204" pitchFamily="18" charset="0"/>
+                                </a:rPr>
                                 <m:t>𝐺</m:t>
                               </m:r>
                             </m:e>
                             <m:sub>
                               <m:r>
-                                <a:rPr lang="en-US" i="1"/>
+                                <a:rPr lang="en-US" i="1">
+                                  <a:latin typeface="Cambria Math" panose="02040503050406030204" pitchFamily="18" charset="0"/>
+                                </a:rPr>
                                 <m:t>𝑖</m:t>
                               </m:r>
                             </m:sub>
@@ -16669,24 +16930,32 @@
                         <m:sup/>
                         <m:e>
                           <m:r>
-                            <a:rPr lang="en-US" i="1"/>
+                            <a:rPr lang="en-US" i="1">
+                              <a:latin typeface="Cambria Math" panose="02040503050406030204" pitchFamily="18" charset="0"/>
+                            </a:rPr>
                             <m:t>(</m:t>
                           </m:r>
                           <m:sSub>
                             <m:sSubPr>
                               <m:ctrlPr>
-                                <a:rPr lang="en-US" i="1"/>
+                                <a:rPr lang="en-US" i="1">
+                                  <a:latin typeface="Cambria Math" panose="02040503050406030204" pitchFamily="18" charset="0"/>
+                                </a:rPr>
                               </m:ctrlPr>
                             </m:sSubPr>
                             <m:e>
                               <m:r>
-                                <a:rPr lang="en-US" i="1"/>
+                                <a:rPr lang="en-US" i="1">
+                                  <a:latin typeface="Cambria Math" panose="02040503050406030204" pitchFamily="18" charset="0"/>
+                                </a:rPr>
                                 <m:t>𝑤</m:t>
                               </m:r>
                             </m:e>
                             <m:sub>
                               <m:r>
-                                <a:rPr lang="en-US" i="1"/>
+                                <a:rPr lang="en-US" i="1">
+                                  <a:latin typeface="Cambria Math" panose="02040503050406030204" pitchFamily="18" charset="0"/>
+                                </a:rPr>
                                 <m:t>𝑔</m:t>
                               </m:r>
                             </m:sub>
@@ -16694,57 +16963,77 @@
                           <m:sSubSup>
                             <m:sSubSupPr>
                               <m:ctrlPr>
-                                <a:rPr lang="en-US" i="1"/>
+                                <a:rPr lang="en-US" i="1">
+                                  <a:latin typeface="Cambria Math" panose="02040503050406030204" pitchFamily="18" charset="0"/>
+                                </a:rPr>
                               </m:ctrlPr>
                             </m:sSubSupPr>
                             <m:e>
                               <m:r>
-                                <a:rPr lang="en-US" i="1"/>
+                                <a:rPr lang="en-US" i="1">
+                                  <a:latin typeface="Cambria Math" panose="02040503050406030204" pitchFamily="18" charset="0"/>
+                                </a:rPr>
                                 <m:t>𝑌</m:t>
                               </m:r>
                             </m:e>
                             <m:sub>
                               <m:r>
-                                <a:rPr lang="en-US" i="1"/>
+                                <a:rPr lang="en-US" i="1">
+                                  <a:latin typeface="Cambria Math" panose="02040503050406030204" pitchFamily="18" charset="0"/>
+                                </a:rPr>
                                 <m:t>𝑔</m:t>
                               </m:r>
                             </m:sub>
                             <m:sup>
                               <m:r>
-                                <a:rPr lang="en-US" i="1"/>
+                                <a:rPr lang="en-US" i="1">
+                                  <a:latin typeface="Cambria Math" panose="02040503050406030204" pitchFamily="18" charset="0"/>
+                                </a:rPr>
                                 <m:t>𝑡</m:t>
                               </m:r>
                               <m:r>
-                                <a:rPr lang="en-US" i="1"/>
+                                <a:rPr lang="en-US" i="1">
+                                  <a:latin typeface="Cambria Math" panose="02040503050406030204" pitchFamily="18" charset="0"/>
+                                </a:rPr>
                                 <m:t>−1</m:t>
                               </m:r>
                             </m:sup>
                           </m:sSubSup>
                           <m:r>
-                            <a:rPr lang="en-US" i="1"/>
+                            <a:rPr lang="en-US" i="1">
+                              <a:latin typeface="Cambria Math" panose="02040503050406030204" pitchFamily="18" charset="0"/>
+                            </a:rPr>
                             <m:t>)</m:t>
                           </m:r>
                         </m:e>
                       </m:nary>
                       <m:r>
-                        <a:rPr lang="en-US" i="1"/>
+                        <a:rPr lang="en-US" i="1">
+                          <a:latin typeface="Cambria Math" panose="02040503050406030204" pitchFamily="18" charset="0"/>
+                        </a:rPr>
                         <m:t>+</m:t>
                       </m:r>
                       <m:sSub>
                         <m:sSubPr>
                           <m:ctrlPr>
-                            <a:rPr lang="en-US" i="1"/>
+                            <a:rPr lang="en-US" i="1">
+                              <a:latin typeface="Cambria Math" panose="02040503050406030204" pitchFamily="18" charset="0"/>
+                            </a:rPr>
                           </m:ctrlPr>
                         </m:sSubPr>
                         <m:e>
                           <m:r>
-                            <a:rPr lang="en-US" i="1"/>
+                            <a:rPr lang="en-US" i="1">
+                              <a:latin typeface="Cambria Math" panose="02040503050406030204" pitchFamily="18" charset="0"/>
+                            </a:rPr>
                             <m:t>∈</m:t>
                           </m:r>
                         </m:e>
                         <m:sub>
                           <m:r>
-                            <a:rPr lang="en-US" i="1"/>
+                            <a:rPr lang="en-US" i="1">
+                              <a:latin typeface="Cambria Math" panose="02040503050406030204" pitchFamily="18" charset="0"/>
+                            </a:rPr>
                             <m:t>𝑖</m:t>
                           </m:r>
                         </m:sub>
@@ -16755,6 +17044,7 @@
                 <a:endParaRPr lang="en-US" dirty="0"/>
               </a:p>
               <a:p>
+                <a:pPr/>
                 <a14:m>
                   <m:oMathPara xmlns:m="http://schemas.openxmlformats.org/officeDocument/2006/math">
                     <m:oMathParaPr>
@@ -16764,94 +17054,126 @@
                       <m:sSub>
                         <m:sSubPr>
                           <m:ctrlPr>
-                            <a:rPr lang="en-US" i="1"/>
+                            <a:rPr lang="en-US" i="1">
+                              <a:latin typeface="Cambria Math" panose="02040503050406030204" pitchFamily="18" charset="0"/>
+                            </a:rPr>
                           </m:ctrlPr>
                         </m:sSubPr>
                         <m:e>
                           <m:r>
-                            <a:rPr lang="en-US" i="1"/>
+                            <a:rPr lang="en-US" i="1">
+                              <a:latin typeface="Cambria Math" panose="02040503050406030204" pitchFamily="18" charset="0"/>
+                            </a:rPr>
                             <m:t>𝑤</m:t>
                           </m:r>
                         </m:e>
                         <m:sub>
                           <m:r>
-                            <a:rPr lang="en-US" i="1"/>
+                            <a:rPr lang="en-US" i="1">
+                              <a:latin typeface="Cambria Math" panose="02040503050406030204" pitchFamily="18" charset="0"/>
+                            </a:rPr>
                             <m:t>𝑔</m:t>
                           </m:r>
                         </m:sub>
                       </m:sSub>
                       <m:r>
-                        <a:rPr lang="en-US" i="1"/>
+                        <a:rPr lang="en-US" i="1">
+                          <a:latin typeface="Cambria Math" panose="02040503050406030204" pitchFamily="18" charset="0"/>
+                        </a:rPr>
                         <m:t>=</m:t>
                       </m:r>
                       <m:f>
                         <m:fPr>
                           <m:ctrlPr>
-                            <a:rPr lang="en-US" i="1"/>
+                            <a:rPr lang="en-US" i="1">
+                              <a:latin typeface="Cambria Math" panose="02040503050406030204" pitchFamily="18" charset="0"/>
+                            </a:rPr>
                           </m:ctrlPr>
                         </m:fPr>
                         <m:num>
                           <m:sSup>
                             <m:sSupPr>
                               <m:ctrlPr>
-                                <a:rPr lang="en-US" i="1"/>
+                                <a:rPr lang="en-US" i="1">
+                                  <a:latin typeface="Cambria Math" panose="02040503050406030204" pitchFamily="18" charset="0"/>
+                                </a:rPr>
                               </m:ctrlPr>
                             </m:sSupPr>
                             <m:e>
                               <m:r>
-                                <a:rPr lang="en-US" i="1"/>
+                                <a:rPr lang="en-US" i="1">
+                                  <a:latin typeface="Cambria Math" panose="02040503050406030204" pitchFamily="18" charset="0"/>
+                                </a:rPr>
                                 <m:t>||</m:t>
                               </m:r>
                               <m:sSub>
                                 <m:sSubPr>
                                   <m:ctrlPr>
-                                    <a:rPr lang="en-US" i="1"/>
+                                    <a:rPr lang="en-US" i="1">
+                                      <a:latin typeface="Cambria Math" panose="02040503050406030204" pitchFamily="18" charset="0"/>
+                                    </a:rPr>
                                   </m:ctrlPr>
                                 </m:sSubPr>
                                 <m:e>
                                   <m:r>
-                                    <a:rPr lang="en-US" i="1"/>
+                                    <a:rPr lang="en-US" i="1">
+                                      <a:latin typeface="Cambria Math" panose="02040503050406030204" pitchFamily="18" charset="0"/>
+                                    </a:rPr>
                                     <m:t>𝑍</m:t>
                                   </m:r>
                                 </m:e>
                                 <m:sub>
                                   <m:r>
-                                    <a:rPr lang="en-US" i="1"/>
+                                    <a:rPr lang="en-US" i="1">
+                                      <a:latin typeface="Cambria Math" panose="02040503050406030204" pitchFamily="18" charset="0"/>
+                                    </a:rPr>
                                     <m:t>𝑔</m:t>
                                   </m:r>
                                 </m:sub>
                               </m:sSub>
                               <m:r>
-                                <a:rPr lang="en-US" i="1"/>
+                                <a:rPr lang="en-US" i="1">
+                                  <a:latin typeface="Cambria Math" panose="02040503050406030204" pitchFamily="18" charset="0"/>
+                                </a:rPr>
                                 <m:t>−</m:t>
                               </m:r>
                               <m:sSub>
                                 <m:sSubPr>
                                   <m:ctrlPr>
-                                    <a:rPr lang="en-US" i="1"/>
+                                    <a:rPr lang="en-US" i="1">
+                                      <a:latin typeface="Cambria Math" panose="02040503050406030204" pitchFamily="18" charset="0"/>
+                                    </a:rPr>
                                   </m:ctrlPr>
                                 </m:sSubPr>
                                 <m:e>
                                   <m:r>
-                                    <a:rPr lang="en-US" i="1"/>
+                                    <a:rPr lang="en-US" i="1">
+                                      <a:latin typeface="Cambria Math" panose="02040503050406030204" pitchFamily="18" charset="0"/>
+                                    </a:rPr>
                                     <m:t>𝑍</m:t>
                                   </m:r>
                                 </m:e>
                                 <m:sub>
                                   <m:r>
-                                    <a:rPr lang="en-US" i="1"/>
+                                    <a:rPr lang="en-US" i="1">
+                                      <a:latin typeface="Cambria Math" panose="02040503050406030204" pitchFamily="18" charset="0"/>
+                                    </a:rPr>
                                     <m:t>𝑖</m:t>
                                   </m:r>
                                 </m:sub>
                               </m:sSub>
                               <m:r>
-                                <a:rPr lang="en-US" i="1"/>
+                                <a:rPr lang="en-US" i="1">
+                                  <a:latin typeface="Cambria Math" panose="02040503050406030204" pitchFamily="18" charset="0"/>
+                                </a:rPr>
                                 <m:t>||</m:t>
                               </m:r>
                             </m:e>
                             <m:sup>
                               <m:r>
-                                <a:rPr lang="en-US" i="1"/>
+                                <a:rPr lang="en-US" i="1">
+                                  <a:latin typeface="Cambria Math" panose="02040503050406030204" pitchFamily="18" charset="0"/>
+                                </a:rPr>
                                 <m:t>−1</m:t>
                               </m:r>
                             </m:sup>
@@ -16863,33 +17185,45 @@
                               <m:chr m:val="∑"/>
                               <m:supHide m:val="on"/>
                               <m:ctrlPr>
-                                <a:rPr lang="en-US" i="1"/>
+                                <a:rPr lang="en-US" i="1">
+                                  <a:latin typeface="Cambria Math" panose="02040503050406030204" pitchFamily="18" charset="0"/>
+                                </a:rPr>
                               </m:ctrlPr>
                             </m:naryPr>
                             <m:sub>
                               <m:r>
-                                <a:rPr lang="en-US" i="1"/>
+                                <a:rPr lang="en-US" i="1">
+                                  <a:latin typeface="Cambria Math" panose="02040503050406030204" pitchFamily="18" charset="0"/>
+                                </a:rPr>
                                 <m:t>𝑔</m:t>
                               </m:r>
                               <m:r>
-                                <a:rPr lang="en-US" i="1"/>
+                                <a:rPr lang="en-US" i="1">
+                                  <a:latin typeface="Cambria Math" panose="02040503050406030204" pitchFamily="18" charset="0"/>
+                                </a:rPr>
                                 <m:t>∈</m:t>
                               </m:r>
                               <m:sSub>
                                 <m:sSubPr>
                                   <m:ctrlPr>
-                                    <a:rPr lang="en-US" i="1"/>
+                                    <a:rPr lang="en-US" i="1">
+                                      <a:latin typeface="Cambria Math" panose="02040503050406030204" pitchFamily="18" charset="0"/>
+                                    </a:rPr>
                                   </m:ctrlPr>
                                 </m:sSubPr>
                                 <m:e>
                                   <m:r>
-                                    <a:rPr lang="en-US" i="1"/>
+                                    <a:rPr lang="en-US" i="1">
+                                      <a:latin typeface="Cambria Math" panose="02040503050406030204" pitchFamily="18" charset="0"/>
+                                    </a:rPr>
                                     <m:t>𝐺</m:t>
                                   </m:r>
                                 </m:e>
                                 <m:sub>
                                   <m:r>
-                                    <a:rPr lang="en-US" i="1"/>
+                                    <a:rPr lang="en-US" i="1">
+                                      <a:latin typeface="Cambria Math" panose="02040503050406030204" pitchFamily="18" charset="0"/>
+                                    </a:rPr>
                                     <m:t>𝑖</m:t>
                                   </m:r>
                                 </m:sub>
@@ -16900,7 +17234,9 @@
                               <m:sSup>
                                 <m:sSupPr>
                                   <m:ctrlPr>
-                                    <a:rPr lang="en-US" i="1"/>
+                                    <a:rPr lang="en-US" i="1">
+                                      <a:latin typeface="Cambria Math" panose="02040503050406030204" pitchFamily="18" charset="0"/>
+                                    </a:rPr>
                                   </m:ctrlPr>
                                 </m:sSupPr>
                                 <m:e>
@@ -16909,7 +17245,9 @@
                                       <m:begChr m:val="|"/>
                                       <m:endChr m:val="|"/>
                                       <m:ctrlPr>
-                                        <a:rPr lang="en-US" i="1"/>
+                                        <a:rPr lang="en-US" i="1">
+                                          <a:latin typeface="Cambria Math" panose="02040503050406030204" pitchFamily="18" charset="0"/>
+                                        </a:rPr>
                                       </m:ctrlPr>
                                     </m:dPr>
                                     <m:e>
@@ -16918,48 +17256,64 @@
                                           <m:begChr m:val="|"/>
                                           <m:endChr m:val="|"/>
                                           <m:ctrlPr>
-                                            <a:rPr lang="en-US" i="1"/>
+                                            <a:rPr lang="en-US" i="1">
+                                              <a:latin typeface="Cambria Math" panose="02040503050406030204" pitchFamily="18" charset="0"/>
+                                            </a:rPr>
                                           </m:ctrlPr>
                                         </m:dPr>
                                         <m:e>
                                           <m:sSub>
                                             <m:sSubPr>
                                               <m:ctrlPr>
-                                                <a:rPr lang="en-US" i="1"/>
+                                                <a:rPr lang="en-US" i="1">
+                                                  <a:latin typeface="Cambria Math" panose="02040503050406030204" pitchFamily="18" charset="0"/>
+                                                </a:rPr>
                                               </m:ctrlPr>
                                             </m:sSubPr>
                                             <m:e>
                                               <m:r>
-                                                <a:rPr lang="en-US" i="1"/>
+                                                <a:rPr lang="en-US" i="1">
+                                                  <a:latin typeface="Cambria Math" panose="02040503050406030204" pitchFamily="18" charset="0"/>
+                                                </a:rPr>
                                                 <m:t>𝑍</m:t>
                                               </m:r>
                                             </m:e>
                                             <m:sub>
                                               <m:r>
-                                                <a:rPr lang="en-US" i="1"/>
+                                                <a:rPr lang="en-US" i="1">
+                                                  <a:latin typeface="Cambria Math" panose="02040503050406030204" pitchFamily="18" charset="0"/>
+                                                </a:rPr>
                                                 <m:t>𝑔</m:t>
                                               </m:r>
                                             </m:sub>
                                           </m:sSub>
                                           <m:r>
-                                            <a:rPr lang="en-US" i="1"/>
+                                            <a:rPr lang="en-US" i="1">
+                                              <a:latin typeface="Cambria Math" panose="02040503050406030204" pitchFamily="18" charset="0"/>
+                                            </a:rPr>
                                             <m:t>−</m:t>
                                           </m:r>
                                           <m:sSub>
                                             <m:sSubPr>
                                               <m:ctrlPr>
-                                                <a:rPr lang="en-US" i="1"/>
+                                                <a:rPr lang="en-US" i="1">
+                                                  <a:latin typeface="Cambria Math" panose="02040503050406030204" pitchFamily="18" charset="0"/>
+                                                </a:rPr>
                                               </m:ctrlPr>
                                             </m:sSubPr>
                                             <m:e>
                                               <m:r>
-                                                <a:rPr lang="en-US" i="1"/>
+                                                <a:rPr lang="en-US" i="1">
+                                                  <a:latin typeface="Cambria Math" panose="02040503050406030204" pitchFamily="18" charset="0"/>
+                                                </a:rPr>
                                                 <m:t>𝑍</m:t>
                                               </m:r>
                                             </m:e>
                                             <m:sub>
                                               <m:r>
-                                                <a:rPr lang="en-US" i="1"/>
+                                                <a:rPr lang="en-US" i="1">
+                                                  <a:latin typeface="Cambria Math" panose="02040503050406030204" pitchFamily="18" charset="0"/>
+                                                </a:rPr>
                                                 <m:t>𝑖</m:t>
                                               </m:r>
                                             </m:sub>
@@ -16971,7 +17325,9 @@
                                 </m:e>
                                 <m:sup>
                                   <m:r>
-                                    <a:rPr lang="en-US" i="1"/>
+                                    <a:rPr lang="en-US" i="1">
+                                      <a:latin typeface="Cambria Math" panose="02040503050406030204" pitchFamily="18" charset="0"/>
+                                    </a:rPr>
                                     <m:t>−1</m:t>
                                   </m:r>
                                 </m:sup>
@@ -17476,7 +17832,7 @@
             </p:txBody>
           </p:sp>
         </mc:Choice>
-        <mc:Fallback>
+        <mc:Fallback xmlns="">
           <p:sp>
             <p:nvSpPr>
               <p:cNvPr id="6" name="Rectangle 5">
